--- a/Presentation/tools-windows-sdk.pptx
+++ b/Presentation/tools-windows-sdk.pptx
@@ -115,6 +115,22 @@
       </a:defRPr>
     </a:lvl9pPr>
   </p:defaultTextStyle>
+  <p:extLst>
+    <p:ext uri="{EFAFB233-063F-42B5-8137-9DF3F51BA10A}">
+      <p15:sldGuideLst xmlns:p15="http://schemas.microsoft.com/office/powerpoint/2012/main">
+        <p15:guide id="1" orient="horz" pos="2160">
+          <p15:clr>
+            <a:srgbClr val="A4A3A4"/>
+          </p15:clr>
+        </p15:guide>
+        <p15:guide id="2" pos="2880">
+          <p15:clr>
+            <a:srgbClr val="A4A3A4"/>
+          </p15:clr>
+        </p15:guide>
+      </p15:sldGuideLst>
+    </p:ext>
+  </p:extLst>
 </p:presentation>
 </file>
 
@@ -200,7 +216,7 @@
           <a:p>
             <a:fld id="{B24A7054-7FFB-49F4-A126-5DF6E687FF53}" type="datetimeFigureOut">
               <a:rPr lang="ru-RU" smtClean="0"/>
-              <a:t>23.10.2013</a:t>
+              <a:t>01.07.2018</a:t>
             </a:fld>
             <a:endParaRPr lang="ru-RU"/>
           </a:p>
@@ -264,35 +280,35 @@
           <a:p>
             <a:pPr lvl="0"/>
             <a:r>
-              <a:rPr lang="en-US" smtClean="0"/>
+              <a:rPr lang="en-US"/>
               <a:t>Click to edit Master text styles</a:t>
             </a:r>
           </a:p>
           <a:p>
             <a:pPr lvl="1"/>
             <a:r>
-              <a:rPr lang="en-US" smtClean="0"/>
+              <a:rPr lang="en-US"/>
               <a:t>Second level</a:t>
             </a:r>
           </a:p>
           <a:p>
             <a:pPr lvl="2"/>
             <a:r>
-              <a:rPr lang="en-US" smtClean="0"/>
+              <a:rPr lang="en-US"/>
               <a:t>Third level</a:t>
             </a:r>
           </a:p>
           <a:p>
             <a:pPr lvl="3"/>
             <a:r>
-              <a:rPr lang="en-US" smtClean="0"/>
+              <a:rPr lang="en-US"/>
               <a:t>Fourth level</a:t>
             </a:r>
           </a:p>
           <a:p>
             <a:pPr lvl="4"/>
             <a:r>
-              <a:rPr lang="en-US" smtClean="0"/>
+              <a:rPr lang="en-US"/>
               <a:t>Fifth level</a:t>
             </a:r>
             <a:endParaRPr lang="ru-RU"/>
@@ -508,7 +524,7 @@
           <a:p>
             <a:pPr algn="ctr"/>
             <a:r>
-              <a:rPr lang="ru-RU" sz="3600" b="1" i="1" dirty="0" smtClean="0">
+              <a:rPr lang="ru-RU" sz="3600" b="1" i="1" dirty="0">
                 <a:solidFill>
                   <a:schemeClr val="bg1"/>
                 </a:solidFill>
@@ -516,7 +532,7 @@
               <a:t>Основы программирования на </a:t>
             </a:r>
             <a:r>
-              <a:rPr lang="en-US" sz="3600" b="1" i="1" dirty="0" smtClean="0">
+              <a:rPr lang="en-US" sz="3600" b="1" i="1" dirty="0">
                 <a:solidFill>
                   <a:schemeClr val="bg1"/>
                 </a:solidFill>
@@ -623,18 +639,10 @@
                   <a:schemeClr val="bg1"/>
                 </a:solidFill>
               </a:rPr>
-              <a:t>Занятие </a:t>
-            </a:r>
-            <a:r>
-              <a:rPr lang="ru-RU" sz="2400" dirty="0" smtClean="0">
-                <a:solidFill>
-                  <a:schemeClr val="bg1"/>
-                </a:solidFill>
-              </a:rPr>
-              <a:t>№</a:t>
-            </a:r>
-            <a:r>
-              <a:rPr lang="en-US" sz="2400" dirty="0" smtClean="0">
+              <a:t>Занятие №</a:t>
+            </a:r>
+            <a:r>
+              <a:rPr lang="en-US" sz="2400" dirty="0">
                 <a:solidFill>
                   <a:schemeClr val="bg1"/>
                 </a:solidFill>
@@ -642,7 +650,7 @@
               <a:t>?</a:t>
             </a:r>
             <a:r>
-              <a:rPr lang="ru-RU" sz="2400" dirty="0" smtClean="0">
+              <a:rPr lang="ru-RU" sz="2400" dirty="0">
                 <a:solidFill>
                   <a:schemeClr val="bg1"/>
                 </a:solidFill>
@@ -667,13 +675,6 @@
   <p:clrMapOvr>
     <a:masterClrMapping/>
   </p:clrMapOvr>
-  <p:timing>
-    <p:tnLst>
-      <p:par>
-        <p:cTn id="1" dur="indefinite" restart="never" nodeType="tmRoot"/>
-      </p:par>
-    </p:tnLst>
-  </p:timing>
 </p:sldLayout>
 </file>
 
@@ -719,7 +720,7 @@
           </a:lstStyle>
           <a:p>
             <a:r>
-              <a:rPr lang="en-US" smtClean="0"/>
+              <a:rPr lang="en-US"/>
               <a:t>Click to edit Master title style</a:t>
             </a:r>
             <a:endParaRPr lang="ru-RU" dirty="0"/>
@@ -784,7 +785,7 @@
           </a:lstStyle>
           <a:p>
             <a:r>
-              <a:rPr lang="en-US" smtClean="0"/>
+              <a:rPr lang="en-US"/>
               <a:t>Click icon to add picture</a:t>
             </a:r>
             <a:endParaRPr lang="ru-RU"/>
@@ -850,7 +851,7 @@
           <a:p>
             <a:pPr lvl="0"/>
             <a:r>
-              <a:rPr lang="en-US" smtClean="0"/>
+              <a:rPr lang="en-US"/>
               <a:t>Click to edit Master text styles</a:t>
             </a:r>
           </a:p>
@@ -902,7 +903,7 @@
           <a:lstStyle/>
           <a:p>
             <a:r>
-              <a:rPr lang="en-US" smtClean="0"/>
+              <a:rPr lang="en-US"/>
               <a:t>Click to edit Master title style</a:t>
             </a:r>
             <a:endParaRPr lang="ru-RU" dirty="0"/>
@@ -926,35 +927,35 @@
           <a:p>
             <a:pPr lvl="0"/>
             <a:r>
-              <a:rPr lang="en-US" smtClean="0"/>
+              <a:rPr lang="en-US"/>
               <a:t>Click to edit Master text styles</a:t>
             </a:r>
           </a:p>
           <a:p>
             <a:pPr lvl="1"/>
             <a:r>
-              <a:rPr lang="en-US" smtClean="0"/>
+              <a:rPr lang="en-US"/>
               <a:t>Second level</a:t>
             </a:r>
           </a:p>
           <a:p>
             <a:pPr lvl="2"/>
             <a:r>
-              <a:rPr lang="en-US" smtClean="0"/>
+              <a:rPr lang="en-US"/>
               <a:t>Third level</a:t>
             </a:r>
           </a:p>
           <a:p>
             <a:pPr lvl="3"/>
             <a:r>
-              <a:rPr lang="en-US" smtClean="0"/>
+              <a:rPr lang="en-US"/>
               <a:t>Fourth level</a:t>
             </a:r>
           </a:p>
           <a:p>
             <a:pPr lvl="4"/>
             <a:r>
-              <a:rPr lang="en-US" smtClean="0"/>
+              <a:rPr lang="en-US"/>
               <a:t>Fifth level</a:t>
             </a:r>
             <a:endParaRPr lang="ru-RU" dirty="0"/>
@@ -1012,7 +1013,7 @@
           <a:lstStyle/>
           <a:p>
             <a:r>
-              <a:rPr lang="en-US" smtClean="0"/>
+              <a:rPr lang="en-US"/>
               <a:t>Click to edit Master title style</a:t>
             </a:r>
             <a:endParaRPr lang="ru-RU" dirty="0"/>
@@ -1041,35 +1042,35 @@
           <a:p>
             <a:pPr lvl="0"/>
             <a:r>
-              <a:rPr lang="en-US" smtClean="0"/>
+              <a:rPr lang="en-US"/>
               <a:t>Click to edit Master text styles</a:t>
             </a:r>
           </a:p>
           <a:p>
             <a:pPr lvl="1"/>
             <a:r>
-              <a:rPr lang="en-US" smtClean="0"/>
+              <a:rPr lang="en-US"/>
               <a:t>Second level</a:t>
             </a:r>
           </a:p>
           <a:p>
             <a:pPr lvl="2"/>
             <a:r>
-              <a:rPr lang="en-US" smtClean="0"/>
+              <a:rPr lang="en-US"/>
               <a:t>Third level</a:t>
             </a:r>
           </a:p>
           <a:p>
             <a:pPr lvl="3"/>
             <a:r>
-              <a:rPr lang="en-US" smtClean="0"/>
+              <a:rPr lang="en-US"/>
               <a:t>Fourth level</a:t>
             </a:r>
           </a:p>
           <a:p>
             <a:pPr lvl="4"/>
             <a:r>
-              <a:rPr lang="en-US" smtClean="0"/>
+              <a:rPr lang="en-US"/>
               <a:t>Fifth level</a:t>
             </a:r>
             <a:endParaRPr lang="ru-RU" dirty="0"/>
@@ -1127,7 +1128,7 @@
           <a:lstStyle/>
           <a:p>
             <a:r>
-              <a:rPr lang="en-US" smtClean="0"/>
+              <a:rPr lang="en-US"/>
               <a:t>Click to edit Master title style</a:t>
             </a:r>
             <a:endParaRPr lang="ru-RU"/>
@@ -1246,7 +1247,7 @@
           </a:lstStyle>
           <a:p>
             <a:r>
-              <a:rPr lang="en-US" smtClean="0"/>
+              <a:rPr lang="en-US"/>
               <a:t>Click to edit Master subtitle style</a:t>
             </a:r>
             <a:endParaRPr lang="ru-RU"/>
@@ -1270,7 +1271,7 @@
           <a:p>
             <a:fld id="{8E6E6A2A-E9D3-4A0D-B04A-ABDD367A1E08}" type="datetimeFigureOut">
               <a:rPr lang="ru-RU" smtClean="0"/>
-              <a:t>23.10.2013</a:t>
+              <a:t>01.07.2018</a:t>
             </a:fld>
             <a:endParaRPr lang="ru-RU"/>
           </a:p>
@@ -1364,7 +1365,7 @@
           <a:lstStyle/>
           <a:p>
             <a:r>
-              <a:rPr lang="en-US" smtClean="0"/>
+              <a:rPr lang="en-US"/>
               <a:t>Click to edit Master title style</a:t>
             </a:r>
             <a:endParaRPr lang="ru-RU" dirty="0"/>
@@ -1388,35 +1389,35 @@
           <a:p>
             <a:pPr lvl="0"/>
             <a:r>
-              <a:rPr lang="en-US" smtClean="0"/>
+              <a:rPr lang="en-US"/>
               <a:t>Click to edit Master text styles</a:t>
             </a:r>
           </a:p>
           <a:p>
             <a:pPr lvl="1"/>
             <a:r>
-              <a:rPr lang="en-US" smtClean="0"/>
+              <a:rPr lang="en-US"/>
               <a:t>Second level</a:t>
             </a:r>
           </a:p>
           <a:p>
             <a:pPr lvl="2"/>
             <a:r>
-              <a:rPr lang="en-US" smtClean="0"/>
+              <a:rPr lang="en-US"/>
               <a:t>Third level</a:t>
             </a:r>
           </a:p>
           <a:p>
             <a:pPr lvl="3"/>
             <a:r>
-              <a:rPr lang="en-US" smtClean="0"/>
+              <a:rPr lang="en-US"/>
               <a:t>Fourth level</a:t>
             </a:r>
           </a:p>
           <a:p>
             <a:pPr lvl="4"/>
             <a:r>
-              <a:rPr lang="en-US" smtClean="0"/>
+              <a:rPr lang="en-US"/>
               <a:t>Fifth level</a:t>
             </a:r>
             <a:endParaRPr lang="ru-RU" dirty="0"/>
@@ -1478,7 +1479,7 @@
           </a:lstStyle>
           <a:p>
             <a:r>
-              <a:rPr lang="en-US" smtClean="0"/>
+              <a:rPr lang="en-US"/>
               <a:t>Click to edit Master title style</a:t>
             </a:r>
             <a:endParaRPr lang="ru-RU" dirty="0"/>
@@ -1598,7 +1599,7 @@
           <a:p>
             <a:pPr lvl="0"/>
             <a:r>
-              <a:rPr lang="en-US" smtClean="0"/>
+              <a:rPr lang="en-US"/>
               <a:t>Click to edit Master text styles</a:t>
             </a:r>
           </a:p>
@@ -1650,7 +1651,7 @@
           <a:lstStyle/>
           <a:p>
             <a:r>
-              <a:rPr lang="en-US" smtClean="0"/>
+              <a:rPr lang="en-US"/>
               <a:t>Click to edit Master title style</a:t>
             </a:r>
             <a:endParaRPr lang="ru-RU" dirty="0"/>
@@ -1707,35 +1708,35 @@
           <a:p>
             <a:pPr lvl="0"/>
             <a:r>
-              <a:rPr lang="en-US" smtClean="0"/>
+              <a:rPr lang="en-US"/>
               <a:t>Click to edit Master text styles</a:t>
             </a:r>
           </a:p>
           <a:p>
             <a:pPr lvl="1"/>
             <a:r>
-              <a:rPr lang="en-US" smtClean="0"/>
+              <a:rPr lang="en-US"/>
               <a:t>Second level</a:t>
             </a:r>
           </a:p>
           <a:p>
             <a:pPr lvl="2"/>
             <a:r>
-              <a:rPr lang="en-US" smtClean="0"/>
+              <a:rPr lang="en-US"/>
               <a:t>Third level</a:t>
             </a:r>
           </a:p>
           <a:p>
             <a:pPr lvl="3"/>
             <a:r>
-              <a:rPr lang="en-US" smtClean="0"/>
+              <a:rPr lang="en-US"/>
               <a:t>Fourth level</a:t>
             </a:r>
           </a:p>
           <a:p>
             <a:pPr lvl="4"/>
             <a:r>
-              <a:rPr lang="en-US" smtClean="0"/>
+              <a:rPr lang="en-US"/>
               <a:t>Fifth level</a:t>
             </a:r>
             <a:endParaRPr lang="ru-RU" dirty="0"/>
@@ -1792,35 +1793,35 @@
           <a:p>
             <a:pPr lvl="0"/>
             <a:r>
-              <a:rPr lang="en-US" smtClean="0"/>
+              <a:rPr lang="en-US"/>
               <a:t>Click to edit Master text styles</a:t>
             </a:r>
           </a:p>
           <a:p>
             <a:pPr lvl="1"/>
             <a:r>
-              <a:rPr lang="en-US" smtClean="0"/>
+              <a:rPr lang="en-US"/>
               <a:t>Second level</a:t>
             </a:r>
           </a:p>
           <a:p>
             <a:pPr lvl="2"/>
             <a:r>
-              <a:rPr lang="en-US" smtClean="0"/>
+              <a:rPr lang="en-US"/>
               <a:t>Third level</a:t>
             </a:r>
           </a:p>
           <a:p>
             <a:pPr lvl="3"/>
             <a:r>
-              <a:rPr lang="en-US" smtClean="0"/>
+              <a:rPr lang="en-US"/>
               <a:t>Fourth level</a:t>
             </a:r>
           </a:p>
           <a:p>
             <a:pPr lvl="4"/>
             <a:r>
-              <a:rPr lang="en-US" smtClean="0"/>
+              <a:rPr lang="en-US"/>
               <a:t>Fifth level</a:t>
             </a:r>
             <a:endParaRPr lang="ru-RU" dirty="0"/>
@@ -1877,7 +1878,7 @@
           </a:lstStyle>
           <a:p>
             <a:r>
-              <a:rPr lang="en-US" smtClean="0"/>
+              <a:rPr lang="en-US"/>
               <a:t>Click to edit Master title style</a:t>
             </a:r>
             <a:endParaRPr lang="ru-RU" dirty="0"/>
@@ -1943,7 +1944,7 @@
           <a:p>
             <a:pPr lvl="0"/>
             <a:r>
-              <a:rPr lang="en-US" smtClean="0"/>
+              <a:rPr lang="en-US"/>
               <a:t>Click to edit Master text styles</a:t>
             </a:r>
           </a:p>
@@ -1999,35 +2000,35 @@
           <a:p>
             <a:pPr lvl="0"/>
             <a:r>
-              <a:rPr lang="en-US" smtClean="0"/>
+              <a:rPr lang="en-US"/>
               <a:t>Click to edit Master text styles</a:t>
             </a:r>
           </a:p>
           <a:p>
             <a:pPr lvl="1"/>
             <a:r>
-              <a:rPr lang="en-US" smtClean="0"/>
+              <a:rPr lang="en-US"/>
               <a:t>Second level</a:t>
             </a:r>
           </a:p>
           <a:p>
             <a:pPr lvl="2"/>
             <a:r>
-              <a:rPr lang="en-US" smtClean="0"/>
+              <a:rPr lang="en-US"/>
               <a:t>Third level</a:t>
             </a:r>
           </a:p>
           <a:p>
             <a:pPr lvl="3"/>
             <a:r>
-              <a:rPr lang="en-US" smtClean="0"/>
+              <a:rPr lang="en-US"/>
               <a:t>Fourth level</a:t>
             </a:r>
           </a:p>
           <a:p>
             <a:pPr lvl="4"/>
             <a:r>
-              <a:rPr lang="en-US" smtClean="0"/>
+              <a:rPr lang="en-US"/>
               <a:t>Fifth level</a:t>
             </a:r>
             <a:endParaRPr lang="ru-RU" dirty="0"/>
@@ -2093,7 +2094,7 @@
           <a:p>
             <a:pPr lvl="0"/>
             <a:r>
-              <a:rPr lang="en-US" smtClean="0"/>
+              <a:rPr lang="en-US"/>
               <a:t>Click to edit Master text styles</a:t>
             </a:r>
           </a:p>
@@ -2149,35 +2150,35 @@
           <a:p>
             <a:pPr lvl="0"/>
             <a:r>
-              <a:rPr lang="en-US" smtClean="0"/>
+              <a:rPr lang="en-US"/>
               <a:t>Click to edit Master text styles</a:t>
             </a:r>
           </a:p>
           <a:p>
             <a:pPr lvl="1"/>
             <a:r>
-              <a:rPr lang="en-US" smtClean="0"/>
+              <a:rPr lang="en-US"/>
               <a:t>Second level</a:t>
             </a:r>
           </a:p>
           <a:p>
             <a:pPr lvl="2"/>
             <a:r>
-              <a:rPr lang="en-US" smtClean="0"/>
+              <a:rPr lang="en-US"/>
               <a:t>Third level</a:t>
             </a:r>
           </a:p>
           <a:p>
             <a:pPr lvl="3"/>
             <a:r>
-              <a:rPr lang="en-US" smtClean="0"/>
+              <a:rPr lang="en-US"/>
               <a:t>Fourth level</a:t>
             </a:r>
           </a:p>
           <a:p>
             <a:pPr lvl="4"/>
             <a:r>
-              <a:rPr lang="en-US" smtClean="0"/>
+              <a:rPr lang="en-US"/>
               <a:t>Fifth level</a:t>
             </a:r>
             <a:endParaRPr lang="ru-RU" dirty="0"/>
@@ -2230,7 +2231,7 @@
           <a:lstStyle/>
           <a:p>
             <a:r>
-              <a:rPr lang="en-US" smtClean="0"/>
+              <a:rPr lang="en-US"/>
               <a:t>Click to edit Master title style</a:t>
             </a:r>
             <a:endParaRPr lang="ru-RU" dirty="0"/>
@@ -2291,14 +2292,14 @@
           <a:p>
             <a:pPr algn="ctr"/>
             <a:r>
-              <a:rPr lang="ru-RU" sz="3200" dirty="0" smtClean="0"/>
+              <a:rPr lang="ru-RU" sz="3200" dirty="0"/>
               <a:t>Название.</a:t>
             </a:r>
             <a:r>
-              <a:rPr lang="ru-RU" sz="3200" baseline="0" dirty="0" smtClean="0"/>
+              <a:rPr lang="ru-RU" sz="3200" baseline="0" dirty="0"/>
               <a:t> Демонстрация.</a:t>
             </a:r>
-            <a:endParaRPr lang="ru-RU" sz="3200" dirty="0" smtClean="0"/>
+            <a:endParaRPr lang="ru-RU" sz="3200" dirty="0"/>
           </a:p>
         </p:txBody>
       </p:sp>
@@ -2387,7 +2388,7 @@
           </a:lstStyle>
           <a:p>
             <a:r>
-              <a:rPr lang="en-US" smtClean="0"/>
+              <a:rPr lang="en-US"/>
               <a:t>Click to edit Master title style</a:t>
             </a:r>
             <a:endParaRPr lang="ru-RU" dirty="0"/>
@@ -2444,35 +2445,35 @@
           <a:p>
             <a:pPr lvl="0"/>
             <a:r>
-              <a:rPr lang="en-US" smtClean="0"/>
+              <a:rPr lang="en-US"/>
               <a:t>Click to edit Master text styles</a:t>
             </a:r>
           </a:p>
           <a:p>
             <a:pPr lvl="1"/>
             <a:r>
-              <a:rPr lang="en-US" smtClean="0"/>
+              <a:rPr lang="en-US"/>
               <a:t>Second level</a:t>
             </a:r>
           </a:p>
           <a:p>
             <a:pPr lvl="2"/>
             <a:r>
-              <a:rPr lang="en-US" smtClean="0"/>
+              <a:rPr lang="en-US"/>
               <a:t>Third level</a:t>
             </a:r>
           </a:p>
           <a:p>
             <a:pPr lvl="3"/>
             <a:r>
-              <a:rPr lang="en-US" smtClean="0"/>
+              <a:rPr lang="en-US"/>
               <a:t>Fourth level</a:t>
             </a:r>
           </a:p>
           <a:p>
             <a:pPr lvl="4"/>
             <a:r>
-              <a:rPr lang="en-US" smtClean="0"/>
+              <a:rPr lang="en-US"/>
               <a:t>Fifth level</a:t>
             </a:r>
             <a:endParaRPr lang="ru-RU" dirty="0"/>
@@ -2538,7 +2539,7 @@
           <a:p>
             <a:pPr lvl="0"/>
             <a:r>
-              <a:rPr lang="en-US" smtClean="0"/>
+              <a:rPr lang="en-US"/>
               <a:t>Click to edit Master text styles</a:t>
             </a:r>
           </a:p>
@@ -2614,7 +2615,7 @@
           <a:lstStyle/>
           <a:p>
             <a:r>
-              <a:rPr lang="en-US" smtClean="0"/>
+              <a:rPr lang="en-US"/>
               <a:t>Click to edit Master title style</a:t>
             </a:r>
             <a:endParaRPr lang="ru-RU"/>
@@ -2648,35 +2649,35 @@
           <a:p>
             <a:pPr lvl="0"/>
             <a:r>
-              <a:rPr lang="en-US" smtClean="0"/>
+              <a:rPr lang="en-US"/>
               <a:t>Click to edit Master text styles</a:t>
             </a:r>
           </a:p>
           <a:p>
             <a:pPr lvl="1"/>
             <a:r>
-              <a:rPr lang="en-US" smtClean="0"/>
+              <a:rPr lang="en-US"/>
               <a:t>Second level</a:t>
             </a:r>
           </a:p>
           <a:p>
             <a:pPr lvl="2"/>
             <a:r>
-              <a:rPr lang="en-US" smtClean="0"/>
+              <a:rPr lang="en-US"/>
               <a:t>Third level</a:t>
             </a:r>
           </a:p>
           <a:p>
             <a:pPr lvl="3"/>
             <a:r>
-              <a:rPr lang="en-US" smtClean="0"/>
+              <a:rPr lang="en-US"/>
               <a:t>Fourth level</a:t>
             </a:r>
           </a:p>
           <a:p>
             <a:pPr lvl="4"/>
             <a:r>
-              <a:rPr lang="en-US" smtClean="0"/>
+              <a:rPr lang="en-US"/>
               <a:t>Fifth level</a:t>
             </a:r>
             <a:endParaRPr lang="ru-RU"/>
@@ -2718,7 +2719,7 @@
           <a:p>
             <a:fld id="{AC3D3127-B7C4-45E3-9797-C527EC9FDD78}" type="datetimeFigureOut">
               <a:rPr lang="ru-RU" smtClean="0"/>
-              <a:t>23.10.2013</a:t>
+              <a:t>01.07.2018</a:t>
             </a:fld>
             <a:endParaRPr lang="ru-RU"/>
           </a:p>
@@ -2825,13 +2826,6 @@
     <p:sldLayoutId id="2147483659" r:id="rId12"/>
     <p:sldLayoutId id="2147483661" r:id="rId13"/>
   </p:sldLayoutIdLst>
-  <p:timing>
-    <p:tnLst>
-      <p:par>
-        <p:cTn id="1" dur="indefinite" restart="never" nodeType="tmRoot"/>
-      </p:par>
-    </p:tnLst>
-  </p:timing>
   <p:txStyles>
     <p:titleStyle>
       <a:lvl1pPr algn="ctr" defTabSz="914400" rtl="0" eaLnBrk="1" latinLnBrk="0" hangingPunct="1">
@@ -3111,7 +3105,7 @@
         <p:spPr>
           <a:xfrm>
             <a:off x="143508" y="1304764"/>
-            <a:ext cx="8856984" cy="646331"/>
+            <a:ext cx="8856984" cy="523220"/>
           </a:xfrm>
           <a:prstGeom prst="rect">
             <a:avLst/>
@@ -3125,7 +3119,7 @@
           <a:p>
             <a:pPr algn="ctr"/>
             <a:r>
-              <a:rPr lang="ru-RU" sz="3600" b="1" i="1" dirty="0" smtClean="0">
+              <a:rPr lang="ru-RU" sz="2800" i="1" dirty="0">
                 <a:solidFill>
                   <a:schemeClr val="bg1"/>
                 </a:solidFill>
@@ -3133,14 +3127,14 @@
               <a:t>Основы программирования на </a:t>
             </a:r>
             <a:r>
-              <a:rPr lang="en-US" sz="3600" b="1" i="1" dirty="0" smtClean="0">
+              <a:rPr lang="en-US" sz="2800" i="1" dirty="0">
                 <a:solidFill>
                   <a:schemeClr val="bg1"/>
                 </a:solidFill>
               </a:rPr>
               <a:t>C#</a:t>
             </a:r>
-            <a:endParaRPr lang="ru-RU" sz="3600" b="1" i="1" dirty="0">
+            <a:endParaRPr lang="ru-RU" sz="2800" i="1" dirty="0">
               <a:solidFill>
                 <a:schemeClr val="bg1"/>
               </a:solidFill>
@@ -3148,70 +3142,6 @@
           </a:p>
         </p:txBody>
       </p:sp>
-      <p:pic>
-        <p:nvPicPr>
-          <p:cNvPr id="6" name="Picture 5"/>
-          <p:cNvPicPr>
-            <a:picLocks noChangeAspect="1" noChangeArrowheads="1"/>
-          </p:cNvPicPr>
-          <p:nvPr/>
-        </p:nvPicPr>
-        <p:blipFill>
-          <a:blip r:embed="rId2">
-            <a:extLst>
-              <a:ext uri="{28A0092B-C50C-407E-A947-70E740481C1C}">
-                <a14:useLocalDpi xmlns:a14="http://schemas.microsoft.com/office/drawing/2010/main" val="0"/>
-              </a:ext>
-            </a:extLst>
-          </a:blip>
-          <a:srcRect/>
-          <a:stretch>
-            <a:fillRect/>
-          </a:stretch>
-        </p:blipFill>
-        <p:spPr bwMode="auto">
-          <a:xfrm>
-            <a:off x="1638300" y="3829211"/>
-            <a:ext cx="5867400" cy="1724025"/>
-          </a:xfrm>
-          <a:prstGeom prst="rect">
-            <a:avLst/>
-          </a:prstGeom>
-          <a:noFill/>
-          <a:ln>
-            <a:noFill/>
-          </a:ln>
-          <a:effectLst/>
-          <a:extLst>
-            <a:ext uri="{909E8E84-426E-40DD-AFC4-6F175D3DCCD1}">
-              <a14:hiddenFill xmlns:a14="http://schemas.microsoft.com/office/drawing/2010/main">
-                <a:solidFill>
-                  <a:schemeClr val="accent1"/>
-                </a:solidFill>
-              </a14:hiddenFill>
-            </a:ext>
-            <a:ext uri="{91240B29-F687-4F45-9708-019B960494DF}">
-              <a14:hiddenLine xmlns:a14="http://schemas.microsoft.com/office/drawing/2010/main" w="9525">
-                <a:solidFill>
-                  <a:schemeClr val="tx1"/>
-                </a:solidFill>
-                <a:miter lim="800000"/>
-                <a:headEnd/>
-                <a:tailEnd/>
-              </a14:hiddenLine>
-            </a:ext>
-            <a:ext uri="{AF507438-7753-43E0-B8FC-AC1667EBCBE1}">
-              <a14:hiddenEffects xmlns:a14="http://schemas.microsoft.com/office/drawing/2010/main">
-                <a:effectLst>
-                  <a:outerShdw dist="35921" dir="2700000" algn="ctr" rotWithShape="0">
-                    <a:schemeClr val="bg2"/>
-                  </a:outerShdw>
-                </a:effectLst>
-              </a14:hiddenEffects>
-            </a:ext>
-          </a:extLst>
-        </p:spPr>
-      </p:pic>
       <p:sp>
         <p:nvSpPr>
           <p:cNvPr id="7" name="TextBox 6"/>
@@ -3221,7 +3151,7 @@
         <p:spPr>
           <a:xfrm>
             <a:off x="143508" y="2528900"/>
-            <a:ext cx="8856984" cy="461665"/>
+            <a:ext cx="8856984" cy="646331"/>
           </a:xfrm>
           <a:prstGeom prst="rect">
             <a:avLst/>
@@ -3236,17 +3166,127 @@
           <a:p>
             <a:pPr algn="ctr"/>
             <a:r>
-              <a:rPr lang="en-US" sz="2400" dirty="0" smtClean="0">
+              <a:rPr lang="en-US" sz="3600" b="1" dirty="0">
                 <a:solidFill>
                   <a:schemeClr val="bg1"/>
                 </a:solidFill>
+                <a:latin typeface="Footlight MT Light" panose="0204060206030A020304" pitchFamily="18" charset="77"/>
               </a:rPr>
-              <a:t>Windows SDK (Software Development Kit)</a:t>
-            </a:r>
-            <a:endParaRPr lang="en-US" sz="2400" dirty="0">
+              <a:t>§ Windows SDK (Software Development Kit)</a:t>
+            </a:r>
+          </a:p>
+        </p:txBody>
+      </p:sp>
+      <p:sp>
+        <p:nvSpPr>
+          <p:cNvPr id="8" name="TextBox 7">
+            <a:extLst>
+              <a:ext uri="{FF2B5EF4-FFF2-40B4-BE49-F238E27FC236}">
+                <a16:creationId xmlns:a16="http://schemas.microsoft.com/office/drawing/2014/main" id="{98AF3C61-7C51-4049-9AB8-7500F6380CA7}"/>
+              </a:ext>
+            </a:extLst>
+          </p:cNvPr>
+          <p:cNvSpPr txBox="1"/>
+          <p:nvPr/>
+        </p:nvSpPr>
+        <p:spPr>
+          <a:xfrm>
+            <a:off x="2339752" y="4984720"/>
+            <a:ext cx="4464496" cy="1138773"/>
+          </a:xfrm>
+          <a:prstGeom prst="rect">
+            <a:avLst/>
+          </a:prstGeom>
+          <a:noFill/>
+        </p:spPr>
+        <p:txBody>
+          <a:bodyPr wrap="square" rtlCol="0">
+            <a:spAutoFit/>
+          </a:bodyPr>
+          <a:lstStyle/>
+          <a:p>
+            <a:r>
+              <a:rPr lang="ru-RU" sz="2000" dirty="0">
+                <a:solidFill>
+                  <a:schemeClr val="bg1"/>
+                </a:solidFill>
+                <a:effectLst>
+                  <a:outerShdw blurRad="50800" dist="38100" dir="5400000" algn="t" rotWithShape="0">
+                    <a:prstClr val="black">
+                      <a:alpha val="40000"/>
+                    </a:prstClr>
+                  </a:outerShdw>
+                </a:effectLst>
+                <a:latin typeface="Segoe Print" panose="02000800000000000000" pitchFamily="2" charset="0"/>
+              </a:rPr>
+              <a:t>Центр Обучающих Технологий</a:t>
+            </a:r>
+          </a:p>
+          <a:p>
+            <a:pPr algn="ctr"/>
+            <a:r>
+              <a:rPr lang="ru-RU" sz="1600" dirty="0">
+                <a:solidFill>
+                  <a:schemeClr val="bg1"/>
+                </a:solidFill>
+                <a:effectLst>
+                  <a:outerShdw blurRad="50800" dist="38100" dir="5400000" algn="t" rotWithShape="0">
+                    <a:prstClr val="black">
+                      <a:alpha val="40000"/>
+                    </a:prstClr>
+                  </a:outerShdw>
+                </a:effectLst>
+                <a:latin typeface="Segoe Print" panose="02000800000000000000" pitchFamily="2" charset="0"/>
+              </a:rPr>
+              <a:t>основан в 2002 году</a:t>
+            </a:r>
+          </a:p>
+          <a:p>
+            <a:pPr algn="ctr"/>
+            <a:endParaRPr lang="ru-RU" sz="1600" dirty="0">
               <a:solidFill>
                 <a:schemeClr val="bg1"/>
               </a:solidFill>
+              <a:effectLst>
+                <a:outerShdw blurRad="50800" dist="38100" dir="5400000" algn="t" rotWithShape="0">
+                  <a:prstClr val="black">
+                    <a:alpha val="40000"/>
+                  </a:prstClr>
+                </a:outerShdw>
+              </a:effectLst>
+              <a:latin typeface="Segoe Print" panose="02000800000000000000" pitchFamily="2" charset="0"/>
+            </a:endParaRPr>
+          </a:p>
+          <a:p>
+            <a:pPr algn="ctr"/>
+            <a:r>
+              <a:rPr lang="en-US" sz="1600" dirty="0" err="1">
+                <a:solidFill>
+                  <a:schemeClr val="bg1"/>
+                </a:solidFill>
+                <a:effectLst>
+                  <a:outerShdw blurRad="50800" dist="38100" dir="5400000" algn="t" rotWithShape="0">
+                    <a:prstClr val="black">
+                      <a:alpha val="40000"/>
+                    </a:prstClr>
+                  </a:outerShdw>
+                </a:effectLst>
+                <a:latin typeface="Segoe Print" panose="02000800000000000000" pitchFamily="2" charset="0"/>
+              </a:rPr>
+              <a:t>trainingcenter.by</a:t>
+            </a:r>
+            <a:endParaRPr lang="en-US" sz="1600" dirty="0">
+              <a:solidFill>
+                <a:schemeClr val="bg1"/>
+              </a:solidFill>
+              <a:effectLst>
+                <a:outerShdw blurRad="50800" dist="38100" dir="5400000" algn="t" rotWithShape="0">
+                  <a:prstClr val="black">
+                    <a:alpha val="40000"/>
+                  </a:prstClr>
+                </a:outerShdw>
+              </a:effectLst>
+              <a:latin typeface="Segoe Print" panose="02000800000000000000" pitchFamily="2" charset="0"/>
             </a:endParaRPr>
           </a:p>
         </p:txBody>
@@ -3261,13 +3301,6 @@
   <p:clrMapOvr>
     <a:masterClrMapping/>
   </p:clrMapOvr>
-  <p:timing>
-    <p:tnLst>
-      <p:par>
-        <p:cTn id="1" dur="indefinite" restart="never" nodeType="tmRoot"/>
-      </p:par>
-    </p:tnLst>
-  </p:timing>
 </p:sld>
 </file>
 
@@ -3304,14 +3337,13 @@
           <a:lstStyle/>
           <a:p>
             <a:r>
-              <a:rPr lang="ru-RU" dirty="0" smtClean="0"/>
+              <a:rPr lang="ru-RU" dirty="0"/>
               <a:t>Что такое </a:t>
             </a:r>
             <a:r>
-              <a:rPr lang="en-US" dirty="0" smtClean="0"/>
+              <a:rPr lang="en-US" dirty="0"/>
               <a:t>Windows SDK?</a:t>
             </a:r>
-            <a:endParaRPr lang="en-US" dirty="0"/>
           </a:p>
         </p:txBody>
       </p:sp>
@@ -3341,18 +3373,10 @@
                   <a:schemeClr val="bg1"/>
                 </a:solidFill>
               </a:rPr>
-              <a:t>Windows SDK (Software Development Kit</a:t>
-            </a:r>
-            <a:r>
-              <a:rPr lang="en-US" dirty="0" smtClean="0">
-                <a:solidFill>
-                  <a:schemeClr val="bg1"/>
-                </a:solidFill>
-              </a:rPr>
-              <a:t>) – </a:t>
-            </a:r>
-            <a:r>
-              <a:rPr lang="ru-RU" dirty="0" smtClean="0">
+              <a:t>Windows SDK (Software Development Kit) – </a:t>
+            </a:r>
+            <a:r>
+              <a:rPr lang="ru-RU" dirty="0">
                 <a:solidFill>
                   <a:schemeClr val="bg1"/>
                 </a:solidFill>
@@ -3361,23 +3385,11 @@
             </a:r>
             <a:r>
               <a:rPr lang="ru-RU" dirty="0"/>
-              <a:t>для разработки </a:t>
-            </a:r>
-            <a:r>
-              <a:rPr lang="ru-RU" dirty="0" smtClean="0"/>
-              <a:t>под </a:t>
-            </a:r>
-            <a:r>
-              <a:rPr lang="ru-RU" dirty="0"/>
-              <a:t>ОС </a:t>
+              <a:t>для разработки под ОС </a:t>
             </a:r>
             <a:r>
               <a:rPr lang="en-US" dirty="0"/>
-              <a:t>Windows</a:t>
-            </a:r>
-            <a:r>
-              <a:rPr lang="en-US" dirty="0" smtClean="0"/>
-              <a:t>. </a:t>
+              <a:t>Windows. </a:t>
             </a:r>
             <a:r>
               <a:rPr lang="ru-RU" dirty="0"/>
@@ -3397,25 +3409,17 @@
             </a:r>
             <a:r>
               <a:rPr lang="ru-RU" dirty="0"/>
-              <a:t>выпускает </a:t>
-            </a:r>
-            <a:r>
-              <a:rPr lang="ru-RU" dirty="0" smtClean="0"/>
-              <a:t>обновленную </a:t>
-            </a:r>
-            <a:r>
-              <a:rPr lang="ru-RU" dirty="0"/>
-              <a:t>версию </a:t>
+              <a:t>выпускает обновленную версию </a:t>
             </a:r>
             <a:r>
               <a:rPr lang="en-US" dirty="0"/>
               <a:t>SDK</a:t>
             </a:r>
             <a:r>
-              <a:rPr lang="ru-RU" dirty="0" smtClean="0"/>
+              <a:rPr lang="ru-RU" dirty="0"/>
               <a:t>.</a:t>
             </a:r>
-            <a:endParaRPr lang="en-US" dirty="0" smtClean="0"/>
+            <a:endParaRPr lang="en-US" dirty="0"/>
           </a:p>
           <a:p>
             <a:pPr marL="0" indent="0">
@@ -3428,30 +3432,30 @@
               <a:buNone/>
             </a:pPr>
             <a:r>
-              <a:rPr lang="ru-RU" dirty="0" smtClean="0"/>
+              <a:rPr lang="ru-RU" dirty="0"/>
               <a:t>Для других технологий существуют собственные </a:t>
             </a:r>
             <a:r>
-              <a:rPr lang="en-US" dirty="0" smtClean="0"/>
+              <a:rPr lang="en-US" dirty="0"/>
               <a:t>SDK</a:t>
             </a:r>
             <a:r>
-              <a:rPr lang="ru-RU" dirty="0" smtClean="0"/>
+              <a:rPr lang="ru-RU" dirty="0"/>
               <a:t>. Например, для </a:t>
             </a:r>
             <a:r>
-              <a:rPr lang="en-US" dirty="0" smtClean="0"/>
+              <a:rPr lang="en-US" dirty="0"/>
               <a:t>Silverlight </a:t>
             </a:r>
             <a:r>
-              <a:rPr lang="ru-RU" dirty="0" smtClean="0"/>
+              <a:rPr lang="ru-RU" dirty="0"/>
               <a:t>и </a:t>
             </a:r>
             <a:r>
-              <a:rPr lang="en-US" dirty="0" smtClean="0"/>
+              <a:rPr lang="en-US" dirty="0"/>
               <a:t>Windows Azure.</a:t>
             </a:r>
-            <a:endParaRPr lang="ru-RU" dirty="0" smtClean="0"/>
+            <a:endParaRPr lang="ru-RU" dirty="0"/>
           </a:p>
           <a:p>
             <a:pPr marL="0" indent="0">
@@ -3464,14 +3468,13 @@
               <a:buNone/>
             </a:pPr>
             <a:r>
-              <a:rPr lang="ru-RU" dirty="0" smtClean="0"/>
+              <a:rPr lang="ru-RU" dirty="0"/>
               <a:t>Разработчикам драйверов придет на помощь </a:t>
             </a:r>
             <a:r>
-              <a:rPr lang="en-US" dirty="0" smtClean="0"/>
+              <a:rPr lang="en-US" dirty="0"/>
               <a:t>Windows DDK (Driver Development Kit).</a:t>
             </a:r>
-            <a:endParaRPr lang="en-US" dirty="0"/>
           </a:p>
         </p:txBody>
       </p:sp>
@@ -3485,13 +3488,6 @@
   <p:clrMapOvr>
     <a:masterClrMapping/>
   </p:clrMapOvr>
-  <p:timing>
-    <p:tnLst>
-      <p:par>
-        <p:cTn id="1" dur="indefinite" restart="never" nodeType="tmRoot"/>
-      </p:par>
-    </p:tnLst>
-  </p:timing>
 </p:sld>
 </file>
 
@@ -3528,14 +3524,13 @@
           <a:lstStyle/>
           <a:p>
             <a:r>
-              <a:rPr lang="ru-RU" dirty="0" smtClean="0"/>
+              <a:rPr lang="ru-RU" dirty="0"/>
               <a:t>Где взять </a:t>
             </a:r>
             <a:r>
-              <a:rPr lang="en-US" dirty="0" smtClean="0"/>
+              <a:rPr lang="en-US" dirty="0"/>
               <a:t>Windows SDK?</a:t>
             </a:r>
-            <a:endParaRPr lang="en-US" dirty="0"/>
           </a:p>
         </p:txBody>
       </p:sp>
@@ -3558,26 +3553,18 @@
               <a:buNone/>
             </a:pPr>
             <a:r>
-              <a:rPr lang="en-US" dirty="0" smtClean="0"/>
+              <a:rPr lang="en-US" dirty="0"/>
               <a:t>Windows SDK</a:t>
             </a:r>
             <a:r>
-              <a:rPr lang="ru-RU" dirty="0" smtClean="0"/>
-              <a:t> </a:t>
-            </a:r>
-            <a:r>
               <a:rPr lang="ru-RU" dirty="0"/>
-              <a:t>устанавливается одновременно с установкой </a:t>
+              <a:t> устанавливается одновременно с установкой </a:t>
             </a:r>
             <a:r>
               <a:rPr lang="en-US" dirty="0"/>
-              <a:t>Visual </a:t>
-            </a:r>
-            <a:r>
-              <a:rPr lang="en-US" dirty="0" smtClean="0"/>
-              <a:t>Studio.</a:t>
-            </a:r>
-            <a:endParaRPr lang="ru-RU" dirty="0" smtClean="0"/>
+              <a:t>Visual Studio.</a:t>
+            </a:r>
+            <a:endParaRPr lang="ru-RU" dirty="0"/>
           </a:p>
           <a:p>
             <a:pPr marL="0" indent="0">
@@ -3590,27 +3577,19 @@
               <a:buNone/>
             </a:pPr>
             <a:r>
-              <a:rPr lang="ru-RU" dirty="0" smtClean="0"/>
-              <a:t>При </a:t>
-            </a:r>
-            <a:r>
               <a:rPr lang="ru-RU" dirty="0"/>
-              <a:t>необходимости можно </a:t>
-            </a:r>
-            <a:r>
-              <a:rPr lang="ru-RU" dirty="0" smtClean="0"/>
-              <a:t>скачать </a:t>
+              <a:t>При необходимости можно скачать </a:t>
             </a:r>
             <a:r>
               <a:rPr lang="en-US" dirty="0"/>
               <a:t>SDK </a:t>
             </a:r>
             <a:r>
-              <a:rPr lang="ru-RU" dirty="0" smtClean="0"/>
+              <a:rPr lang="ru-RU" dirty="0"/>
               <a:t>на </a:t>
             </a:r>
             <a:r>
-              <a:rPr lang="en-US" dirty="0" smtClean="0">
+              <a:rPr lang="en-US" dirty="0">
                 <a:hlinkClick r:id="rId2"/>
               </a:rPr>
               <a:t>MSDN</a:t>
@@ -3632,13 +3611,6 @@
   <p:clrMapOvr>
     <a:masterClrMapping/>
   </p:clrMapOvr>
-  <p:timing>
-    <p:tnLst>
-      <p:par>
-        <p:cTn id="1" dur="indefinite" restart="never" nodeType="tmRoot"/>
-      </p:par>
-    </p:tnLst>
-  </p:timing>
 </p:sld>
 </file>
 
@@ -3677,14 +3649,13 @@
           <a:lstStyle/>
           <a:p>
             <a:r>
-              <a:rPr lang="ru-RU" dirty="0" smtClean="0"/>
+              <a:rPr lang="ru-RU" dirty="0"/>
               <a:t>Где находится установленный </a:t>
             </a:r>
             <a:r>
-              <a:rPr lang="en-US" dirty="0" smtClean="0"/>
+              <a:rPr lang="en-US" dirty="0"/>
               <a:t>Windows SDK?</a:t>
             </a:r>
-            <a:endParaRPr lang="en-US" dirty="0"/>
           </a:p>
         </p:txBody>
       </p:sp>
@@ -3706,69 +3677,52 @@
           <a:lstStyle/>
           <a:p>
             <a:r>
-              <a:rPr lang="ru-RU" sz="2800" dirty="0" smtClean="0"/>
+              <a:rPr lang="ru-RU" sz="2800" dirty="0"/>
               <a:t>На </a:t>
             </a:r>
             <a:r>
-              <a:rPr lang="en-US" sz="2800" dirty="0" smtClean="0"/>
+              <a:rPr lang="en-US" sz="2800" dirty="0"/>
               <a:t>Windows x86 </a:t>
             </a:r>
             <a:r>
-              <a:rPr lang="ru-RU" sz="2800" dirty="0" smtClean="0"/>
+              <a:rPr lang="ru-RU" sz="2800" dirty="0"/>
               <a:t>в папке</a:t>
             </a:r>
             <a:br>
-              <a:rPr lang="ru-RU" sz="2800" dirty="0" smtClean="0"/>
+              <a:rPr lang="ru-RU" sz="2800" dirty="0"/>
             </a:br>
             <a:r>
-              <a:rPr lang="en-US" sz="2800" dirty="0" smtClean="0"/>
-              <a:t>C</a:t>
-            </a:r>
-            <a:r>
               <a:rPr lang="en-US" sz="2800" dirty="0"/>
-              <a:t>:\Program </a:t>
-            </a:r>
-            <a:r>
-              <a:rPr lang="en-US" sz="2800" dirty="0" smtClean="0"/>
-              <a:t>Files\Microsoft SDKs\Windows</a:t>
-            </a:r>
-            <a:endParaRPr lang="ru-RU" sz="2800" dirty="0" smtClean="0"/>
+              <a:t>C:\Program Files\Microsoft SDKs\Windows</a:t>
+            </a:r>
+            <a:endParaRPr lang="ru-RU" sz="2800" dirty="0"/>
           </a:p>
           <a:p>
             <a:pPr marL="0" indent="0">
               <a:buNone/>
             </a:pPr>
-            <a:endParaRPr lang="ru-RU" sz="2800" dirty="0" smtClean="0"/>
-          </a:p>
-          <a:p>
-            <a:r>
-              <a:rPr lang="ru-RU" sz="2800" dirty="0" smtClean="0"/>
+            <a:endParaRPr lang="ru-RU" sz="2800" dirty="0"/>
+          </a:p>
+          <a:p>
+            <a:r>
+              <a:rPr lang="ru-RU" sz="2800" dirty="0"/>
               <a:t>На </a:t>
             </a:r>
             <a:r>
-              <a:rPr lang="en-US" sz="2800" dirty="0" smtClean="0"/>
+              <a:rPr lang="en-US" sz="2800" dirty="0"/>
               <a:t>Windows x64 </a:t>
             </a:r>
             <a:r>
-              <a:rPr lang="ru-RU" sz="2800" dirty="0" smtClean="0"/>
+              <a:rPr lang="ru-RU" sz="2800" dirty="0"/>
               <a:t>в папке</a:t>
             </a:r>
             <a:br>
-              <a:rPr lang="ru-RU" sz="2800" dirty="0" smtClean="0"/>
+              <a:rPr lang="ru-RU" sz="2800" dirty="0"/>
             </a:br>
             <a:r>
-              <a:rPr lang="en-US" sz="2800" dirty="0" smtClean="0"/>
-              <a:t>C</a:t>
-            </a:r>
-            <a:r>
               <a:rPr lang="en-US" sz="2800" dirty="0"/>
-              <a:t>:\Program Files (x86)\Microsoft </a:t>
-            </a:r>
-            <a:r>
-              <a:rPr lang="en-US" sz="2800" dirty="0" smtClean="0"/>
-              <a:t>SDKs\Windows</a:t>
-            </a:r>
-            <a:endParaRPr lang="en-US" sz="2800" dirty="0"/>
+              <a:t>C:\Program Files (x86)\Microsoft SDKs\Windows</a:t>
+            </a:r>
           </a:p>
         </p:txBody>
       </p:sp>
@@ -3782,13 +3736,6 @@
   <p:clrMapOvr>
     <a:masterClrMapping/>
   </p:clrMapOvr>
-  <p:timing>
-    <p:tnLst>
-      <p:par>
-        <p:cTn id="1" dur="indefinite" restart="never" nodeType="tmRoot"/>
-      </p:par>
-    </p:tnLst>
-  </p:timing>
 </p:sld>
 </file>
 
@@ -3827,22 +3774,21 @@
           <a:lstStyle/>
           <a:p>
             <a:r>
-              <a:rPr lang="ru-RU" dirty="0" smtClean="0"/>
+              <a:rPr lang="ru-RU" dirty="0"/>
               <a:t>Утилиты для </a:t>
             </a:r>
             <a:r>
-              <a:rPr lang="en-US" dirty="0" smtClean="0"/>
+              <a:rPr lang="en-US" dirty="0"/>
               <a:t>.NET </a:t>
             </a:r>
             <a:r>
-              <a:rPr lang="ru-RU" dirty="0" smtClean="0"/>
+              <a:rPr lang="ru-RU" dirty="0"/>
               <a:t>входящие в </a:t>
             </a:r>
             <a:r>
-              <a:rPr lang="en-US" dirty="0" smtClean="0"/>
+              <a:rPr lang="en-US" dirty="0"/>
               <a:t>SDK</a:t>
             </a:r>
-            <a:endParaRPr lang="en-US" dirty="0"/>
           </a:p>
         </p:txBody>
       </p:sp>
@@ -3865,19 +3811,19 @@
               <a:buNone/>
             </a:pPr>
             <a:r>
-              <a:rPr lang="en-US" dirty="0" smtClean="0"/>
+              <a:rPr lang="en-US" dirty="0"/>
               <a:t>Windows SDK </a:t>
             </a:r>
             <a:r>
-              <a:rPr lang="ru-RU" dirty="0" smtClean="0"/>
+              <a:rPr lang="ru-RU" dirty="0"/>
               <a:t>включает в себя ряд инструментов специально для </a:t>
             </a:r>
             <a:r>
-              <a:rPr lang="en-US" dirty="0" smtClean="0"/>
+              <a:rPr lang="en-US" dirty="0"/>
               <a:t>.NET </a:t>
             </a:r>
             <a:r>
-              <a:rPr lang="ru-RU" dirty="0" smtClean="0"/>
+              <a:rPr lang="ru-RU" dirty="0"/>
               <a:t>разработчиков.</a:t>
             </a:r>
           </a:p>
@@ -3892,19 +3838,19 @@
               <a:buNone/>
             </a:pPr>
             <a:r>
-              <a:rPr lang="ru-RU" dirty="0" smtClean="0"/>
+              <a:rPr lang="ru-RU" dirty="0"/>
               <a:t>Для </a:t>
             </a:r>
             <a:r>
-              <a:rPr lang="en-US" dirty="0" smtClean="0"/>
+              <a:rPr lang="en-US" dirty="0"/>
               <a:t>.NET </a:t>
             </a:r>
             <a:r>
-              <a:rPr lang="ru-RU" dirty="0" smtClean="0"/>
+              <a:rPr lang="ru-RU" dirty="0"/>
               <a:t>до 4 версии они находятся в папке </a:t>
             </a:r>
             <a:r>
-              <a:rPr lang="en-US" dirty="0" smtClean="0">
+              <a:rPr lang="en-US" dirty="0">
                 <a:solidFill>
                   <a:srgbClr val="FFFF00"/>
                 </a:solidFill>
@@ -3912,7 +3858,7 @@
               <a:t>Bin</a:t>
             </a:r>
             <a:r>
-              <a:rPr lang="en-US" dirty="0" smtClean="0"/>
+              <a:rPr lang="en-US" dirty="0"/>
               <a:t>.</a:t>
             </a:r>
           </a:p>
@@ -3927,24 +3873,16 @@
               <a:buNone/>
             </a:pPr>
             <a:r>
-              <a:rPr lang="ru-RU" dirty="0" smtClean="0"/>
+              <a:rPr lang="ru-RU" dirty="0"/>
               <a:t>Для </a:t>
             </a:r>
             <a:r>
-              <a:rPr lang="en-US" dirty="0" smtClean="0"/>
+              <a:rPr lang="en-US" dirty="0"/>
               <a:t>.NET 4 </a:t>
             </a:r>
             <a:r>
-              <a:rPr lang="ru-RU" dirty="0" smtClean="0"/>
+              <a:rPr lang="ru-RU" dirty="0"/>
               <a:t>и выше в папке </a:t>
-            </a:r>
-            <a:r>
-              <a:rPr lang="en-US" dirty="0" smtClean="0">
-                <a:solidFill>
-                  <a:srgbClr val="FFFF00"/>
-                </a:solidFill>
-              </a:rPr>
-              <a:t>Bin\NETFX </a:t>
             </a:r>
             <a:r>
               <a:rPr lang="en-US" dirty="0">
@@ -3952,7 +3890,7 @@
                   <a:srgbClr val="FFFF00"/>
                 </a:solidFill>
               </a:rPr>
-              <a:t>4.0 Tools</a:t>
+              <a:t>Bin\NETFX 4.0 Tools</a:t>
             </a:r>
           </a:p>
         </p:txBody>
@@ -3967,13 +3905,6 @@
   <p:clrMapOvr>
     <a:masterClrMapping/>
   </p:clrMapOvr>
-  <p:timing>
-    <p:tnLst>
-      <p:par>
-        <p:cTn id="1" dur="indefinite" restart="never" nodeType="tmRoot"/>
-      </p:par>
-    </p:tnLst>
-  </p:timing>
 </p:sld>
 </file>
 
@@ -4016,15 +3947,15 @@
           <a:p>
             <a:pPr algn="ctr"/>
             <a:r>
-              <a:rPr lang="ru-RU" dirty="0" smtClean="0"/>
+              <a:rPr lang="ru-RU" dirty="0"/>
               <a:t>Утилиты из </a:t>
             </a:r>
             <a:r>
-              <a:rPr lang="en-US" dirty="0" smtClean="0"/>
+              <a:rPr lang="en-US" dirty="0"/>
               <a:t>windows </a:t>
             </a:r>
             <a:r>
-              <a:rPr lang="en-US" dirty="0" err="1" smtClean="0"/>
+              <a:rPr lang="en-US" dirty="0" err="1"/>
               <a:t>sdk</a:t>
             </a:r>
             <a:endParaRPr lang="en-US" dirty="0"/>
@@ -4041,13 +3972,6 @@
   <p:clrMapOvr>
     <a:masterClrMapping/>
   </p:clrMapOvr>
-  <p:timing>
-    <p:tnLst>
-      <p:par>
-        <p:cTn id="1" dur="indefinite" restart="never" nodeType="tmRoot"/>
-      </p:par>
-    </p:tnLst>
-  </p:timing>
 </p:sld>
 </file>
 
@@ -4109,15 +4033,15 @@
               <a:buNone/>
             </a:pPr>
             <a:r>
-              <a:rPr lang="ru-RU" dirty="0" smtClean="0"/>
+              <a:rPr lang="ru-RU" dirty="0"/>
               <a:t>Работа с </a:t>
             </a:r>
             <a:r>
-              <a:rPr lang="en-US" dirty="0" smtClean="0"/>
+              <a:rPr lang="en-US" dirty="0"/>
               <a:t>Global Assembly Cache (GAC): </a:t>
             </a:r>
             <a:r>
-              <a:rPr lang="ru-RU" dirty="0" smtClean="0"/>
+              <a:rPr lang="ru-RU" dirty="0"/>
               <a:t>просмотр, установка, удаление.</a:t>
             </a:r>
           </a:p>
@@ -4132,35 +4056,35 @@
               <a:buNone/>
             </a:pPr>
             <a:r>
-              <a:rPr lang="ru-RU" dirty="0" smtClean="0"/>
+              <a:rPr lang="ru-RU" dirty="0"/>
               <a:t>Не забывайте что так как в </a:t>
             </a:r>
             <a:r>
-              <a:rPr lang="en-US" dirty="0" smtClean="0"/>
+              <a:rPr lang="en-US" dirty="0"/>
               <a:t>.NET 4 </a:t>
             </a:r>
             <a:r>
-              <a:rPr lang="ru-RU" dirty="0" smtClean="0"/>
+              <a:rPr lang="ru-RU" dirty="0"/>
               <a:t>изменилось расположение </a:t>
             </a:r>
             <a:r>
-              <a:rPr lang="en-US" dirty="0" smtClean="0"/>
+              <a:rPr lang="en-US" dirty="0"/>
               <a:t>GAC</a:t>
             </a:r>
             <a:r>
-              <a:rPr lang="ru-RU" dirty="0" smtClean="0"/>
+              <a:rPr lang="ru-RU" dirty="0"/>
               <a:t>, то для нее нужно использовать </a:t>
             </a:r>
             <a:r>
-              <a:rPr lang="en-US" dirty="0" err="1" smtClean="0"/>
+              <a:rPr lang="en-US" dirty="0" err="1"/>
               <a:t>gacutil</a:t>
             </a:r>
             <a:r>
-              <a:rPr lang="en-US" dirty="0" smtClean="0"/>
+              <a:rPr lang="en-US" dirty="0"/>
               <a:t> </a:t>
             </a:r>
             <a:r>
-              <a:rPr lang="ru-RU" dirty="0" smtClean="0"/>
+              <a:rPr lang="ru-RU" dirty="0"/>
               <a:t>из папки «</a:t>
             </a:r>
             <a:r>
@@ -4168,7 +4092,7 @@
               <a:t>NETFX 4.0 Tools</a:t>
             </a:r>
             <a:r>
-              <a:rPr lang="ru-RU" dirty="0" smtClean="0"/>
+              <a:rPr lang="ru-RU" dirty="0"/>
               <a:t>».</a:t>
             </a:r>
             <a:endParaRPr lang="en-US" dirty="0"/>
@@ -4185,13 +4109,6 @@
   <p:clrMapOvr>
     <a:masterClrMapping/>
   </p:clrMapOvr>
-  <p:timing>
-    <p:tnLst>
-      <p:par>
-        <p:cTn id="1" dur="indefinite" restart="never" nodeType="tmRoot"/>
-      </p:par>
-    </p:tnLst>
-  </p:timing>
 </p:sld>
 </file>
 
@@ -4228,11 +4145,11 @@
           <a:lstStyle/>
           <a:p>
             <a:r>
-              <a:rPr lang="en-US" dirty="0" smtClean="0"/>
+              <a:rPr lang="en-US" dirty="0"/>
               <a:t>gacutil.exe - </a:t>
             </a:r>
             <a:r>
-              <a:rPr lang="ru-RU" dirty="0" smtClean="0"/>
+              <a:rPr lang="ru-RU" dirty="0"/>
               <a:t>примеры</a:t>
             </a:r>
             <a:endParaRPr lang="en-US" dirty="0"/>
@@ -4323,11 +4240,11 @@
           <a:lstStyle/>
           <a:p>
             <a:r>
-              <a:rPr lang="ru-RU" sz="2400" dirty="0" smtClean="0"/>
+              <a:rPr lang="ru-RU" sz="2400" dirty="0"/>
               <a:t>Установка сборки в </a:t>
             </a:r>
             <a:r>
-              <a:rPr lang="en-US" sz="2400" dirty="0" smtClean="0"/>
+              <a:rPr lang="en-US" sz="2400" dirty="0"/>
               <a:t>GAC</a:t>
             </a:r>
           </a:p>
@@ -4343,13 +4260,6 @@
   <p:clrMapOvr>
     <a:masterClrMapping/>
   </p:clrMapOvr>
-  <p:timing>
-    <p:tnLst>
-      <p:par>
-        <p:cTn id="1" dur="indefinite" restart="never" nodeType="tmRoot"/>
-      </p:par>
-    </p:tnLst>
-  </p:timing>
 </p:sld>
 </file>
 
@@ -4411,15 +4321,15 @@
               <a:buNone/>
             </a:pPr>
             <a:r>
-              <a:rPr lang="ru-RU" dirty="0" smtClean="0"/>
+              <a:rPr lang="ru-RU" dirty="0"/>
               <a:t>Простейший дизассемблер </a:t>
             </a:r>
             <a:r>
-              <a:rPr lang="en-US" dirty="0" smtClean="0"/>
+              <a:rPr lang="en-US" dirty="0"/>
               <a:t>IL </a:t>
             </a:r>
             <a:r>
-              <a:rPr lang="ru-RU" dirty="0" smtClean="0"/>
+              <a:rPr lang="ru-RU" dirty="0"/>
               <a:t>кода. Его достоинство в возможности видеть все метаданные сборки.</a:t>
             </a:r>
             <a:endParaRPr lang="en-US" dirty="0"/>
@@ -4436,13 +4346,6 @@
   <p:clrMapOvr>
     <a:masterClrMapping/>
   </p:clrMapOvr>
-  <p:timing>
-    <p:tnLst>
-      <p:par>
-        <p:cTn id="1" dur="indefinite" restart="never" nodeType="tmRoot"/>
-      </p:par>
-    </p:tnLst>
-  </p:timing>
 </p:sld>
 </file>
 

--- a/Presentation/tools-windows-sdk.pptx
+++ b/Presentation/tools-windows-sdk.pptx
@@ -117,7 +117,7 @@
   </p:defaultTextStyle>
   <p:extLst>
     <p:ext uri="{EFAFB233-063F-42B5-8137-9DF3F51BA10A}">
-      <p15:sldGuideLst xmlns:p15="http://schemas.microsoft.com/office/powerpoint/2012/main">
+      <p15:sldGuideLst xmlns:p15="http://schemas.microsoft.com/office/powerpoint/2012/main" xmlns="">
         <p15:guide id="1" orient="horz" pos="2160">
           <p15:clr>
             <a:srgbClr val="A4A3A4"/>
@@ -216,7 +216,7 @@
           <a:p>
             <a:fld id="{B24A7054-7FFB-49F4-A126-5DF6E687FF53}" type="datetimeFigureOut">
               <a:rPr lang="ru-RU" smtClean="0"/>
-              <a:t>01.07.2018</a:t>
+              <a:t>22.02.2019</a:t>
             </a:fld>
             <a:endParaRPr lang="ru-RU"/>
           </a:p>
@@ -485,8 +485,8 @@
 </file>
 
 <file path=ppt/slideLayouts/slideLayout1.xml><?xml version="1.0" encoding="utf-8"?>
-<p:sldLayout xmlns:a="http://schemas.openxmlformats.org/drawingml/2006/main" xmlns:r="http://schemas.openxmlformats.org/officeDocument/2006/relationships" xmlns:p="http://schemas.openxmlformats.org/presentationml/2006/main" preserve="1" userDrawn="1">
-  <p:cSld name="Title Slide">
+<p:sldLayout xmlns:a="http://schemas.openxmlformats.org/drawingml/2006/main" xmlns:r="http://schemas.openxmlformats.org/officeDocument/2006/relationships" xmlns:p="http://schemas.openxmlformats.org/presentationml/2006/main" type="obj" preserve="1">
+  <p:cSld name="Title and Content">
     <p:spTree>
       <p:nvGrpSpPr>
         <p:cNvPr id="1" name=""/>
@@ -503,172 +503,83 @@
       </p:grpSpPr>
       <p:sp>
         <p:nvSpPr>
-          <p:cNvPr id="7" name="Rectangle 6"/>
-          <p:cNvSpPr/>
-          <p:nvPr userDrawn="1"/>
-        </p:nvSpPr>
-        <p:spPr>
-          <a:xfrm>
-            <a:off x="143508" y="1304764"/>
-            <a:ext cx="8856984" cy="646331"/>
-          </a:xfrm>
-          <a:prstGeom prst="rect">
-            <a:avLst/>
-          </a:prstGeom>
-        </p:spPr>
-        <p:txBody>
-          <a:bodyPr wrap="square">
-            <a:spAutoFit/>
-          </a:bodyPr>
+          <p:cNvPr id="2" name="Title 1"/>
+          <p:cNvSpPr>
+            <a:spLocks noGrp="1"/>
+          </p:cNvSpPr>
+          <p:nvPr>
+            <p:ph type="title"/>
+          </p:nvPr>
+        </p:nvSpPr>
+        <p:spPr/>
+        <p:txBody>
+          <a:bodyPr/>
           <a:lstStyle/>
           <a:p>
-            <a:pPr algn="ctr"/>
-            <a:r>
-              <a:rPr lang="ru-RU" sz="3600" b="1" i="1" dirty="0">
-                <a:solidFill>
-                  <a:schemeClr val="bg1"/>
-                </a:solidFill>
-              </a:rPr>
-              <a:t>Основы программирования на </a:t>
-            </a:r>
-            <a:r>
-              <a:rPr lang="en-US" sz="3600" b="1" i="1" dirty="0">
-                <a:solidFill>
-                  <a:schemeClr val="bg1"/>
-                </a:solidFill>
-              </a:rPr>
-              <a:t>C#</a:t>
-            </a:r>
-            <a:endParaRPr lang="ru-RU" sz="3600" b="1" i="1" dirty="0">
-              <a:solidFill>
-                <a:schemeClr val="bg1"/>
-              </a:solidFill>
-            </a:endParaRPr>
-          </a:p>
-        </p:txBody>
-      </p:sp>
-      <p:pic>
-        <p:nvPicPr>
-          <p:cNvPr id="8" name="Picture 5"/>
-          <p:cNvPicPr>
-            <a:picLocks noChangeAspect="1" noChangeArrowheads="1"/>
-          </p:cNvPicPr>
-          <p:nvPr userDrawn="1"/>
-        </p:nvPicPr>
-        <p:blipFill>
-          <a:blip r:embed="rId2">
-            <a:extLst>
-              <a:ext uri="{28A0092B-C50C-407E-A947-70E740481C1C}">
-                <a14:useLocalDpi xmlns:a14="http://schemas.microsoft.com/office/drawing/2010/main" val="0"/>
-              </a:ext>
-            </a:extLst>
-          </a:blip>
-          <a:srcRect/>
-          <a:stretch>
-            <a:fillRect/>
-          </a:stretch>
-        </p:blipFill>
-        <p:spPr bwMode="auto">
-          <a:xfrm>
-            <a:off x="1638300" y="3829211"/>
-            <a:ext cx="5867400" cy="1724025"/>
-          </a:xfrm>
-          <a:prstGeom prst="rect">
-            <a:avLst/>
-          </a:prstGeom>
-          <a:noFill/>
-          <a:ln>
-            <a:noFill/>
-          </a:ln>
-          <a:effectLst/>
-          <a:extLst>
-            <a:ext uri="{909E8E84-426E-40DD-AFC4-6F175D3DCCD1}">
-              <a14:hiddenFill xmlns:a14="http://schemas.microsoft.com/office/drawing/2010/main">
-                <a:solidFill>
-                  <a:schemeClr val="accent1"/>
-                </a:solidFill>
-              </a14:hiddenFill>
-            </a:ext>
-            <a:ext uri="{91240B29-F687-4F45-9708-019B960494DF}">
-              <a14:hiddenLine xmlns:a14="http://schemas.microsoft.com/office/drawing/2010/main" w="9525">
-                <a:solidFill>
-                  <a:schemeClr val="tx1"/>
-                </a:solidFill>
-                <a:miter lim="800000"/>
-                <a:headEnd/>
-                <a:tailEnd/>
-              </a14:hiddenLine>
-            </a:ext>
-            <a:ext uri="{AF507438-7753-43E0-B8FC-AC1667EBCBE1}">
-              <a14:hiddenEffects xmlns:a14="http://schemas.microsoft.com/office/drawing/2010/main">
-                <a:effectLst>
-                  <a:outerShdw dist="35921" dir="2700000" algn="ctr" rotWithShape="0">
-                    <a:schemeClr val="bg2"/>
-                  </a:outerShdw>
-                </a:effectLst>
-              </a14:hiddenEffects>
-            </a:ext>
-          </a:extLst>
-        </p:spPr>
-      </p:pic>
-      <p:sp>
-        <p:nvSpPr>
-          <p:cNvPr id="9" name="TextBox 8"/>
-          <p:cNvSpPr txBox="1"/>
-          <p:nvPr userDrawn="1"/>
-        </p:nvSpPr>
-        <p:spPr>
-          <a:xfrm>
-            <a:off x="2774873" y="2528900"/>
-            <a:ext cx="4240263" cy="461665"/>
-          </a:xfrm>
-          <a:prstGeom prst="rect">
-            <a:avLst/>
-          </a:prstGeom>
-          <a:noFill/>
-        </p:spPr>
-        <p:txBody>
-          <a:bodyPr wrap="none" rtlCol="0">
-            <a:spAutoFit/>
-          </a:bodyPr>
+            <a:r>
+              <a:rPr lang="en-US"/>
+              <a:t>Click to edit Master title style</a:t>
+            </a:r>
+            <a:endParaRPr lang="ru-RU" dirty="0"/>
+          </a:p>
+        </p:txBody>
+      </p:sp>
+      <p:sp>
+        <p:nvSpPr>
+          <p:cNvPr id="3" name="Content Placeholder 2"/>
+          <p:cNvSpPr>
+            <a:spLocks noGrp="1"/>
+          </p:cNvSpPr>
+          <p:nvPr>
+            <p:ph idx="1"/>
+          </p:nvPr>
+        </p:nvSpPr>
+        <p:spPr/>
+        <p:txBody>
+          <a:bodyPr/>
           <a:lstStyle/>
           <a:p>
-            <a:r>
-              <a:rPr lang="ru-RU" sz="2400" dirty="0">
-                <a:solidFill>
-                  <a:schemeClr val="bg1"/>
-                </a:solidFill>
-              </a:rPr>
-              <a:t>Занятие №</a:t>
-            </a:r>
-            <a:r>
-              <a:rPr lang="en-US" sz="2400" dirty="0">
-                <a:solidFill>
-                  <a:schemeClr val="bg1"/>
-                </a:solidFill>
-              </a:rPr>
-              <a:t>?</a:t>
-            </a:r>
-            <a:r>
-              <a:rPr lang="ru-RU" sz="2400" dirty="0">
-                <a:solidFill>
-                  <a:schemeClr val="bg1"/>
-                </a:solidFill>
-              </a:rPr>
-              <a:t>. Название занятия</a:t>
-            </a:r>
-            <a:endParaRPr lang="en-US" sz="2400" dirty="0">
-              <a:solidFill>
-                <a:schemeClr val="bg1"/>
-              </a:solidFill>
-            </a:endParaRPr>
+            <a:pPr lvl="0"/>
+            <a:r>
+              <a:rPr lang="en-US"/>
+              <a:t>Click to edit Master text styles</a:t>
+            </a:r>
+          </a:p>
+          <a:p>
+            <a:pPr lvl="1"/>
+            <a:r>
+              <a:rPr lang="en-US"/>
+              <a:t>Second level</a:t>
+            </a:r>
+          </a:p>
+          <a:p>
+            <a:pPr lvl="2"/>
+            <a:r>
+              <a:rPr lang="en-US"/>
+              <a:t>Third level</a:t>
+            </a:r>
+          </a:p>
+          <a:p>
+            <a:pPr lvl="3"/>
+            <a:r>
+              <a:rPr lang="en-US"/>
+              <a:t>Fourth level</a:t>
+            </a:r>
+          </a:p>
+          <a:p>
+            <a:pPr lvl="4"/>
+            <a:r>
+              <a:rPr lang="en-US"/>
+              <a:t>Fifth level</a:t>
+            </a:r>
+            <a:endParaRPr lang="ru-RU" dirty="0"/>
           </a:p>
         </p:txBody>
       </p:sp>
     </p:spTree>
     <p:extLst>
       <p:ext uri="{BB962C8B-B14F-4D97-AF65-F5344CB8AC3E}">
-        <p14:creationId xmlns:p14="http://schemas.microsoft.com/office/powerpoint/2010/main" val="2062725571"/>
+        <p14:creationId xmlns:p14="http://schemas.microsoft.com/office/powerpoint/2010/main" val="3363467697"/>
       </p:ext>
     </p:extLst>
   </p:cSld>
@@ -679,198 +590,6 @@
 </file>
 
 <file path=ppt/slideLayouts/slideLayout10.xml><?xml version="1.0" encoding="utf-8"?>
-<p:sldLayout xmlns:a="http://schemas.openxmlformats.org/drawingml/2006/main" xmlns:r="http://schemas.openxmlformats.org/officeDocument/2006/relationships" xmlns:p="http://schemas.openxmlformats.org/presentationml/2006/main" type="picTx" preserve="1">
-  <p:cSld name="Picture with Caption">
-    <p:spTree>
-      <p:nvGrpSpPr>
-        <p:cNvPr id="1" name=""/>
-        <p:cNvGrpSpPr/>
-        <p:nvPr/>
-      </p:nvGrpSpPr>
-      <p:grpSpPr>
-        <a:xfrm>
-          <a:off x="0" y="0"/>
-          <a:ext cx="0" cy="0"/>
-          <a:chOff x="0" y="0"/>
-          <a:chExt cx="0" cy="0"/>
-        </a:xfrm>
-      </p:grpSpPr>
-      <p:sp>
-        <p:nvSpPr>
-          <p:cNvPr id="2" name="Title 1"/>
-          <p:cNvSpPr>
-            <a:spLocks noGrp="1"/>
-          </p:cNvSpPr>
-          <p:nvPr>
-            <p:ph type="title"/>
-          </p:nvPr>
-        </p:nvSpPr>
-        <p:spPr>
-          <a:xfrm>
-            <a:off x="1792288" y="4800600"/>
-            <a:ext cx="5486400" cy="566738"/>
-          </a:xfrm>
-        </p:spPr>
-        <p:txBody>
-          <a:bodyPr anchor="b"/>
-          <a:lstStyle>
-            <a:lvl1pPr algn="l">
-              <a:defRPr sz="2000" b="1"/>
-            </a:lvl1pPr>
-          </a:lstStyle>
-          <a:p>
-            <a:r>
-              <a:rPr lang="en-US"/>
-              <a:t>Click to edit Master title style</a:t>
-            </a:r>
-            <a:endParaRPr lang="ru-RU" dirty="0"/>
-          </a:p>
-        </p:txBody>
-      </p:sp>
-      <p:sp>
-        <p:nvSpPr>
-          <p:cNvPr id="3" name="Picture Placeholder 2"/>
-          <p:cNvSpPr>
-            <a:spLocks noGrp="1"/>
-          </p:cNvSpPr>
-          <p:nvPr>
-            <p:ph type="pic" idx="1"/>
-          </p:nvPr>
-        </p:nvSpPr>
-        <p:spPr>
-          <a:xfrm>
-            <a:off x="1792288" y="612775"/>
-            <a:ext cx="5486400" cy="4114800"/>
-          </a:xfrm>
-        </p:spPr>
-        <p:txBody>
-          <a:bodyPr/>
-          <a:lstStyle>
-            <a:lvl1pPr marL="0" indent="0">
-              <a:buNone/>
-              <a:defRPr sz="3200"/>
-            </a:lvl1pPr>
-            <a:lvl2pPr marL="457200" indent="0">
-              <a:buNone/>
-              <a:defRPr sz="2800"/>
-            </a:lvl2pPr>
-            <a:lvl3pPr marL="914400" indent="0">
-              <a:buNone/>
-              <a:defRPr sz="2400"/>
-            </a:lvl3pPr>
-            <a:lvl4pPr marL="1371600" indent="0">
-              <a:buNone/>
-              <a:defRPr sz="2000"/>
-            </a:lvl4pPr>
-            <a:lvl5pPr marL="1828800" indent="0">
-              <a:buNone/>
-              <a:defRPr sz="2000"/>
-            </a:lvl5pPr>
-            <a:lvl6pPr marL="2286000" indent="0">
-              <a:buNone/>
-              <a:defRPr sz="2000"/>
-            </a:lvl6pPr>
-            <a:lvl7pPr marL="2743200" indent="0">
-              <a:buNone/>
-              <a:defRPr sz="2000"/>
-            </a:lvl7pPr>
-            <a:lvl8pPr marL="3200400" indent="0">
-              <a:buNone/>
-              <a:defRPr sz="2000"/>
-            </a:lvl8pPr>
-            <a:lvl9pPr marL="3657600" indent="0">
-              <a:buNone/>
-              <a:defRPr sz="2000"/>
-            </a:lvl9pPr>
-          </a:lstStyle>
-          <a:p>
-            <a:r>
-              <a:rPr lang="en-US"/>
-              <a:t>Click icon to add picture</a:t>
-            </a:r>
-            <a:endParaRPr lang="ru-RU"/>
-          </a:p>
-        </p:txBody>
-      </p:sp>
-      <p:sp>
-        <p:nvSpPr>
-          <p:cNvPr id="4" name="Text Placeholder 3"/>
-          <p:cNvSpPr>
-            <a:spLocks noGrp="1"/>
-          </p:cNvSpPr>
-          <p:nvPr>
-            <p:ph type="body" sz="half" idx="2"/>
-          </p:nvPr>
-        </p:nvSpPr>
-        <p:spPr>
-          <a:xfrm>
-            <a:off x="1792288" y="5367338"/>
-            <a:ext cx="5486400" cy="804862"/>
-          </a:xfrm>
-        </p:spPr>
-        <p:txBody>
-          <a:bodyPr/>
-          <a:lstStyle>
-            <a:lvl1pPr marL="0" indent="0">
-              <a:buNone/>
-              <a:defRPr sz="1400"/>
-            </a:lvl1pPr>
-            <a:lvl2pPr marL="457200" indent="0">
-              <a:buNone/>
-              <a:defRPr sz="1200"/>
-            </a:lvl2pPr>
-            <a:lvl3pPr marL="914400" indent="0">
-              <a:buNone/>
-              <a:defRPr sz="1000"/>
-            </a:lvl3pPr>
-            <a:lvl4pPr marL="1371600" indent="0">
-              <a:buNone/>
-              <a:defRPr sz="900"/>
-            </a:lvl4pPr>
-            <a:lvl5pPr marL="1828800" indent="0">
-              <a:buNone/>
-              <a:defRPr sz="900"/>
-            </a:lvl5pPr>
-            <a:lvl6pPr marL="2286000" indent="0">
-              <a:buNone/>
-              <a:defRPr sz="900"/>
-            </a:lvl6pPr>
-            <a:lvl7pPr marL="2743200" indent="0">
-              <a:buNone/>
-              <a:defRPr sz="900"/>
-            </a:lvl7pPr>
-            <a:lvl8pPr marL="3200400" indent="0">
-              <a:buNone/>
-              <a:defRPr sz="900"/>
-            </a:lvl8pPr>
-            <a:lvl9pPr marL="3657600" indent="0">
-              <a:buNone/>
-              <a:defRPr sz="900"/>
-            </a:lvl9pPr>
-          </a:lstStyle>
-          <a:p>
-            <a:pPr lvl="0"/>
-            <a:r>
-              <a:rPr lang="en-US"/>
-              <a:t>Click to edit Master text styles</a:t>
-            </a:r>
-          </a:p>
-        </p:txBody>
-      </p:sp>
-    </p:spTree>
-    <p:extLst>
-      <p:ext uri="{BB962C8B-B14F-4D97-AF65-F5344CB8AC3E}">
-        <p14:creationId xmlns:p14="http://schemas.microsoft.com/office/powerpoint/2010/main" val="2103675460"/>
-      </p:ext>
-    </p:extLst>
-  </p:cSld>
-  <p:clrMapOvr>
-    <a:masterClrMapping/>
-  </p:clrMapOvr>
-</p:sldLayout>
-</file>
-
-<file path=ppt/slideLayouts/slideLayout11.xml><?xml version="1.0" encoding="utf-8"?>
 <p:sldLayout xmlns:a="http://schemas.openxmlformats.org/drawingml/2006/main" xmlns:r="http://schemas.openxmlformats.org/officeDocument/2006/relationships" xmlns:p="http://schemas.openxmlformats.org/presentationml/2006/main" type="vertTx" preserve="1">
   <p:cSld name="Title and Vertical Text">
     <p:spTree>
@@ -975,7 +694,7 @@
 </p:sldLayout>
 </file>
 
-<file path=ppt/slideLayouts/slideLayout12.xml><?xml version="1.0" encoding="utf-8"?>
+<file path=ppt/slideLayouts/slideLayout11.xml><?xml version="1.0" encoding="utf-8"?>
 <p:sldLayout xmlns:a="http://schemas.openxmlformats.org/drawingml/2006/main" xmlns:r="http://schemas.openxmlformats.org/officeDocument/2006/relationships" xmlns:p="http://schemas.openxmlformats.org/presentationml/2006/main" type="vertTitleAndTx" preserve="1">
   <p:cSld name="Vertical Title and Text">
     <p:spTree>
@@ -1090,7 +809,7 @@
 </p:sldLayout>
 </file>
 
-<file path=ppt/slideLayouts/slideLayout13.xml><?xml version="1.0" encoding="utf-8"?>
+<file path=ppt/slideLayouts/slideLayout12.xml><?xml version="1.0" encoding="utf-8"?>
 <p:sldLayout xmlns:a="http://schemas.openxmlformats.org/drawingml/2006/main" xmlns:r="http://schemas.openxmlformats.org/officeDocument/2006/relationships" xmlns:p="http://schemas.openxmlformats.org/presentationml/2006/main" type="title">
   <p:cSld name="2_Title Slide">
     <p:spTree>
@@ -1271,7 +990,7 @@
           <a:p>
             <a:fld id="{8E6E6A2A-E9D3-4A0D-B04A-ABDD367A1E08}" type="datetimeFigureOut">
               <a:rPr lang="ru-RU" smtClean="0"/>
-              <a:t>01.07.2018</a:t>
+              <a:t>22.02.2019</a:t>
             </a:fld>
             <a:endParaRPr lang="ru-RU"/>
           </a:p>
@@ -1333,111 +1052,6 @@
 </file>
 
 <file path=ppt/slideLayouts/slideLayout2.xml><?xml version="1.0" encoding="utf-8"?>
-<p:sldLayout xmlns:a="http://schemas.openxmlformats.org/drawingml/2006/main" xmlns:r="http://schemas.openxmlformats.org/officeDocument/2006/relationships" xmlns:p="http://schemas.openxmlformats.org/presentationml/2006/main" type="obj" preserve="1">
-  <p:cSld name="Title and Content">
-    <p:spTree>
-      <p:nvGrpSpPr>
-        <p:cNvPr id="1" name=""/>
-        <p:cNvGrpSpPr/>
-        <p:nvPr/>
-      </p:nvGrpSpPr>
-      <p:grpSpPr>
-        <a:xfrm>
-          <a:off x="0" y="0"/>
-          <a:ext cx="0" cy="0"/>
-          <a:chOff x="0" y="0"/>
-          <a:chExt cx="0" cy="0"/>
-        </a:xfrm>
-      </p:grpSpPr>
-      <p:sp>
-        <p:nvSpPr>
-          <p:cNvPr id="2" name="Title 1"/>
-          <p:cNvSpPr>
-            <a:spLocks noGrp="1"/>
-          </p:cNvSpPr>
-          <p:nvPr>
-            <p:ph type="title"/>
-          </p:nvPr>
-        </p:nvSpPr>
-        <p:spPr/>
-        <p:txBody>
-          <a:bodyPr/>
-          <a:lstStyle/>
-          <a:p>
-            <a:r>
-              <a:rPr lang="en-US"/>
-              <a:t>Click to edit Master title style</a:t>
-            </a:r>
-            <a:endParaRPr lang="ru-RU" dirty="0"/>
-          </a:p>
-        </p:txBody>
-      </p:sp>
-      <p:sp>
-        <p:nvSpPr>
-          <p:cNvPr id="3" name="Content Placeholder 2"/>
-          <p:cNvSpPr>
-            <a:spLocks noGrp="1"/>
-          </p:cNvSpPr>
-          <p:nvPr>
-            <p:ph idx="1"/>
-          </p:nvPr>
-        </p:nvSpPr>
-        <p:spPr/>
-        <p:txBody>
-          <a:bodyPr/>
-          <a:lstStyle/>
-          <a:p>
-            <a:pPr lvl="0"/>
-            <a:r>
-              <a:rPr lang="en-US"/>
-              <a:t>Click to edit Master text styles</a:t>
-            </a:r>
-          </a:p>
-          <a:p>
-            <a:pPr lvl="1"/>
-            <a:r>
-              <a:rPr lang="en-US"/>
-              <a:t>Second level</a:t>
-            </a:r>
-          </a:p>
-          <a:p>
-            <a:pPr lvl="2"/>
-            <a:r>
-              <a:rPr lang="en-US"/>
-              <a:t>Third level</a:t>
-            </a:r>
-          </a:p>
-          <a:p>
-            <a:pPr lvl="3"/>
-            <a:r>
-              <a:rPr lang="en-US"/>
-              <a:t>Fourth level</a:t>
-            </a:r>
-          </a:p>
-          <a:p>
-            <a:pPr lvl="4"/>
-            <a:r>
-              <a:rPr lang="en-US"/>
-              <a:t>Fifth level</a:t>
-            </a:r>
-            <a:endParaRPr lang="ru-RU" dirty="0"/>
-          </a:p>
-        </p:txBody>
-      </p:sp>
-    </p:spTree>
-    <p:extLst>
-      <p:ext uri="{BB962C8B-B14F-4D97-AF65-F5344CB8AC3E}">
-        <p14:creationId xmlns:p14="http://schemas.microsoft.com/office/powerpoint/2010/main" val="3363467697"/>
-      </p:ext>
-    </p:extLst>
-  </p:cSld>
-  <p:clrMapOvr>
-    <a:masterClrMapping/>
-  </p:clrMapOvr>
-</p:sldLayout>
-</file>
-
-<file path=ppt/slideLayouts/slideLayout3.xml><?xml version="1.0" encoding="utf-8"?>
 <p:sldLayout xmlns:a="http://schemas.openxmlformats.org/drawingml/2006/main" xmlns:r="http://schemas.openxmlformats.org/officeDocument/2006/relationships" xmlns:p="http://schemas.openxmlformats.org/presentationml/2006/main" type="secHead" preserve="1">
   <p:cSld name="Section Header">
     <p:spTree>
@@ -1618,7 +1232,7 @@
 </p:sldLayout>
 </file>
 
-<file path=ppt/slideLayouts/slideLayout4.xml><?xml version="1.0" encoding="utf-8"?>
+<file path=ppt/slideLayouts/slideLayout3.xml><?xml version="1.0" encoding="utf-8"?>
 <p:sldLayout xmlns:a="http://schemas.openxmlformats.org/drawingml/2006/main" xmlns:r="http://schemas.openxmlformats.org/officeDocument/2006/relationships" xmlns:p="http://schemas.openxmlformats.org/presentationml/2006/main" type="twoObj" preserve="1">
   <p:cSld name="Two Content">
     <p:spTree>
@@ -1841,7 +1455,7 @@
 </p:sldLayout>
 </file>
 
-<file path=ppt/slideLayouts/slideLayout5.xml><?xml version="1.0" encoding="utf-8"?>
+<file path=ppt/slideLayouts/slideLayout4.xml><?xml version="1.0" encoding="utf-8"?>
 <p:sldLayout xmlns:a="http://schemas.openxmlformats.org/drawingml/2006/main" xmlns:r="http://schemas.openxmlformats.org/officeDocument/2006/relationships" xmlns:p="http://schemas.openxmlformats.org/presentationml/2006/main" type="twoTxTwoObj" preserve="1">
   <p:cSld name="Comparison">
     <p:spTree>
@@ -2198,7 +1812,7 @@
 </p:sldLayout>
 </file>
 
-<file path=ppt/slideLayouts/slideLayout6.xml><?xml version="1.0" encoding="utf-8"?>
+<file path=ppt/slideLayouts/slideLayout5.xml><?xml version="1.0" encoding="utf-8"?>
 <p:sldLayout xmlns:a="http://schemas.openxmlformats.org/drawingml/2006/main" xmlns:r="http://schemas.openxmlformats.org/officeDocument/2006/relationships" xmlns:p="http://schemas.openxmlformats.org/presentationml/2006/main" type="titleOnly" preserve="1">
   <p:cSld name="Title Only">
     <p:spTree>
@@ -2251,7 +1865,7 @@
 </p:sldLayout>
 </file>
 
-<file path=ppt/slideLayouts/slideLayout7.xml><?xml version="1.0" encoding="utf-8"?>
+<file path=ppt/slideLayouts/slideLayout6.xml><?xml version="1.0" encoding="utf-8"?>
 <p:sldLayout xmlns:a="http://schemas.openxmlformats.org/drawingml/2006/main" xmlns:r="http://schemas.openxmlformats.org/officeDocument/2006/relationships" xmlns:p="http://schemas.openxmlformats.org/presentationml/2006/main" preserve="1" userDrawn="1">
   <p:cSld name="Demo">
     <p:spTree>
@@ -2316,7 +1930,7 @@
 </p:sldLayout>
 </file>
 
-<file path=ppt/slideLayouts/slideLayout8.xml><?xml version="1.0" encoding="utf-8"?>
+<file path=ppt/slideLayouts/slideLayout7.xml><?xml version="1.0" encoding="utf-8"?>
 <p:sldLayout xmlns:a="http://schemas.openxmlformats.org/drawingml/2006/main" xmlns:r="http://schemas.openxmlformats.org/officeDocument/2006/relationships" xmlns:p="http://schemas.openxmlformats.org/presentationml/2006/main" type="blank" preserve="1">
   <p:cSld name="1_Blank">
     <p:spTree>
@@ -2346,7 +1960,7 @@
 </p:sldLayout>
 </file>
 
-<file path=ppt/slideLayouts/slideLayout9.xml><?xml version="1.0" encoding="utf-8"?>
+<file path=ppt/slideLayouts/slideLayout8.xml><?xml version="1.0" encoding="utf-8"?>
 <p:sldLayout xmlns:a="http://schemas.openxmlformats.org/drawingml/2006/main" xmlns:r="http://schemas.openxmlformats.org/officeDocument/2006/relationships" xmlns:p="http://schemas.openxmlformats.org/presentationml/2006/main" type="objTx" preserve="1">
   <p:cSld name="Content with Caption">
     <p:spTree>
@@ -2558,13 +2172,205 @@
 </p:sldLayout>
 </file>
 
+<file path=ppt/slideLayouts/slideLayout9.xml><?xml version="1.0" encoding="utf-8"?>
+<p:sldLayout xmlns:a="http://schemas.openxmlformats.org/drawingml/2006/main" xmlns:r="http://schemas.openxmlformats.org/officeDocument/2006/relationships" xmlns:p="http://schemas.openxmlformats.org/presentationml/2006/main" type="picTx" preserve="1">
+  <p:cSld name="Picture with Caption">
+    <p:spTree>
+      <p:nvGrpSpPr>
+        <p:cNvPr id="1" name=""/>
+        <p:cNvGrpSpPr/>
+        <p:nvPr/>
+      </p:nvGrpSpPr>
+      <p:grpSpPr>
+        <a:xfrm>
+          <a:off x="0" y="0"/>
+          <a:ext cx="0" cy="0"/>
+          <a:chOff x="0" y="0"/>
+          <a:chExt cx="0" cy="0"/>
+        </a:xfrm>
+      </p:grpSpPr>
+      <p:sp>
+        <p:nvSpPr>
+          <p:cNvPr id="2" name="Title 1"/>
+          <p:cNvSpPr>
+            <a:spLocks noGrp="1"/>
+          </p:cNvSpPr>
+          <p:nvPr>
+            <p:ph type="title"/>
+          </p:nvPr>
+        </p:nvSpPr>
+        <p:spPr>
+          <a:xfrm>
+            <a:off x="1792288" y="4800600"/>
+            <a:ext cx="5486400" cy="566738"/>
+          </a:xfrm>
+        </p:spPr>
+        <p:txBody>
+          <a:bodyPr anchor="b"/>
+          <a:lstStyle>
+            <a:lvl1pPr algn="l">
+              <a:defRPr sz="2000" b="1"/>
+            </a:lvl1pPr>
+          </a:lstStyle>
+          <a:p>
+            <a:r>
+              <a:rPr lang="en-US"/>
+              <a:t>Click to edit Master title style</a:t>
+            </a:r>
+            <a:endParaRPr lang="ru-RU" dirty="0"/>
+          </a:p>
+        </p:txBody>
+      </p:sp>
+      <p:sp>
+        <p:nvSpPr>
+          <p:cNvPr id="3" name="Picture Placeholder 2"/>
+          <p:cNvSpPr>
+            <a:spLocks noGrp="1"/>
+          </p:cNvSpPr>
+          <p:nvPr>
+            <p:ph type="pic" idx="1"/>
+          </p:nvPr>
+        </p:nvSpPr>
+        <p:spPr>
+          <a:xfrm>
+            <a:off x="1792288" y="612775"/>
+            <a:ext cx="5486400" cy="4114800"/>
+          </a:xfrm>
+        </p:spPr>
+        <p:txBody>
+          <a:bodyPr/>
+          <a:lstStyle>
+            <a:lvl1pPr marL="0" indent="0">
+              <a:buNone/>
+              <a:defRPr sz="3200"/>
+            </a:lvl1pPr>
+            <a:lvl2pPr marL="457200" indent="0">
+              <a:buNone/>
+              <a:defRPr sz="2800"/>
+            </a:lvl2pPr>
+            <a:lvl3pPr marL="914400" indent="0">
+              <a:buNone/>
+              <a:defRPr sz="2400"/>
+            </a:lvl3pPr>
+            <a:lvl4pPr marL="1371600" indent="0">
+              <a:buNone/>
+              <a:defRPr sz="2000"/>
+            </a:lvl4pPr>
+            <a:lvl5pPr marL="1828800" indent="0">
+              <a:buNone/>
+              <a:defRPr sz="2000"/>
+            </a:lvl5pPr>
+            <a:lvl6pPr marL="2286000" indent="0">
+              <a:buNone/>
+              <a:defRPr sz="2000"/>
+            </a:lvl6pPr>
+            <a:lvl7pPr marL="2743200" indent="0">
+              <a:buNone/>
+              <a:defRPr sz="2000"/>
+            </a:lvl7pPr>
+            <a:lvl8pPr marL="3200400" indent="0">
+              <a:buNone/>
+              <a:defRPr sz="2000"/>
+            </a:lvl8pPr>
+            <a:lvl9pPr marL="3657600" indent="0">
+              <a:buNone/>
+              <a:defRPr sz="2000"/>
+            </a:lvl9pPr>
+          </a:lstStyle>
+          <a:p>
+            <a:r>
+              <a:rPr lang="en-US"/>
+              <a:t>Click icon to add picture</a:t>
+            </a:r>
+            <a:endParaRPr lang="ru-RU"/>
+          </a:p>
+        </p:txBody>
+      </p:sp>
+      <p:sp>
+        <p:nvSpPr>
+          <p:cNvPr id="4" name="Text Placeholder 3"/>
+          <p:cNvSpPr>
+            <a:spLocks noGrp="1"/>
+          </p:cNvSpPr>
+          <p:nvPr>
+            <p:ph type="body" sz="half" idx="2"/>
+          </p:nvPr>
+        </p:nvSpPr>
+        <p:spPr>
+          <a:xfrm>
+            <a:off x="1792288" y="5367338"/>
+            <a:ext cx="5486400" cy="804862"/>
+          </a:xfrm>
+        </p:spPr>
+        <p:txBody>
+          <a:bodyPr/>
+          <a:lstStyle>
+            <a:lvl1pPr marL="0" indent="0">
+              <a:buNone/>
+              <a:defRPr sz="1400"/>
+            </a:lvl1pPr>
+            <a:lvl2pPr marL="457200" indent="0">
+              <a:buNone/>
+              <a:defRPr sz="1200"/>
+            </a:lvl2pPr>
+            <a:lvl3pPr marL="914400" indent="0">
+              <a:buNone/>
+              <a:defRPr sz="1000"/>
+            </a:lvl3pPr>
+            <a:lvl4pPr marL="1371600" indent="0">
+              <a:buNone/>
+              <a:defRPr sz="900"/>
+            </a:lvl4pPr>
+            <a:lvl5pPr marL="1828800" indent="0">
+              <a:buNone/>
+              <a:defRPr sz="900"/>
+            </a:lvl5pPr>
+            <a:lvl6pPr marL="2286000" indent="0">
+              <a:buNone/>
+              <a:defRPr sz="900"/>
+            </a:lvl6pPr>
+            <a:lvl7pPr marL="2743200" indent="0">
+              <a:buNone/>
+              <a:defRPr sz="900"/>
+            </a:lvl7pPr>
+            <a:lvl8pPr marL="3200400" indent="0">
+              <a:buNone/>
+              <a:defRPr sz="900"/>
+            </a:lvl8pPr>
+            <a:lvl9pPr marL="3657600" indent="0">
+              <a:buNone/>
+              <a:defRPr sz="900"/>
+            </a:lvl9pPr>
+          </a:lstStyle>
+          <a:p>
+            <a:pPr lvl="0"/>
+            <a:r>
+              <a:rPr lang="en-US"/>
+              <a:t>Click to edit Master text styles</a:t>
+            </a:r>
+          </a:p>
+        </p:txBody>
+      </p:sp>
+    </p:spTree>
+    <p:extLst>
+      <p:ext uri="{BB962C8B-B14F-4D97-AF65-F5344CB8AC3E}">
+        <p14:creationId xmlns:p14="http://schemas.microsoft.com/office/powerpoint/2010/main" val="2103675460"/>
+      </p:ext>
+    </p:extLst>
+  </p:cSld>
+  <p:clrMapOvr>
+    <a:masterClrMapping/>
+  </p:clrMapOvr>
+</p:sldLayout>
+</file>
+
 <file path=ppt/slideMasters/slideMaster1.xml><?xml version="1.0" encoding="utf-8"?>
 <p:sldMaster xmlns:a="http://schemas.openxmlformats.org/drawingml/2006/main" xmlns:r="http://schemas.openxmlformats.org/officeDocument/2006/relationships" xmlns:p="http://schemas.openxmlformats.org/presentationml/2006/main">
   <p:cSld>
     <p:bg>
       <p:bgPr>
         <a:blipFill dpi="0" rotWithShape="1">
-          <a:blip r:embed="rId15">
+          <a:blip r:embed="rId14">
             <a:lum/>
           </a:blip>
           <a:srcRect/>
@@ -2719,7 +2525,7 @@
           <a:p>
             <a:fld id="{AC3D3127-B7C4-45E3-9797-C527EC9FDD78}" type="datetimeFigureOut">
               <a:rPr lang="ru-RU" smtClean="0"/>
-              <a:t>01.07.2018</a:t>
+              <a:t>22.02.2019</a:t>
             </a:fld>
             <a:endParaRPr lang="ru-RU"/>
           </a:p>
@@ -2812,19 +2618,18 @@
   </p:cSld>
   <p:clrMap bg1="lt1" tx1="dk1" bg2="lt2" tx2="dk2" accent1="accent1" accent2="accent2" accent3="accent3" accent4="accent4" accent5="accent5" accent6="accent6" hlink="hlink" folHlink="folHlink"/>
   <p:sldLayoutIdLst>
-    <p:sldLayoutId id="2147483649" r:id="rId1"/>
-    <p:sldLayoutId id="2147483650" r:id="rId2"/>
-    <p:sldLayoutId id="2147483651" r:id="rId3"/>
-    <p:sldLayoutId id="2147483652" r:id="rId4"/>
-    <p:sldLayoutId id="2147483653" r:id="rId5"/>
-    <p:sldLayoutId id="2147483654" r:id="rId6"/>
-    <p:sldLayoutId id="2147483655" r:id="rId7"/>
-    <p:sldLayoutId id="2147483660" r:id="rId8"/>
-    <p:sldLayoutId id="2147483656" r:id="rId9"/>
-    <p:sldLayoutId id="2147483657" r:id="rId10"/>
-    <p:sldLayoutId id="2147483658" r:id="rId11"/>
-    <p:sldLayoutId id="2147483659" r:id="rId12"/>
-    <p:sldLayoutId id="2147483661" r:id="rId13"/>
+    <p:sldLayoutId id="2147483650" r:id="rId1"/>
+    <p:sldLayoutId id="2147483651" r:id="rId2"/>
+    <p:sldLayoutId id="2147483652" r:id="rId3"/>
+    <p:sldLayoutId id="2147483653" r:id="rId4"/>
+    <p:sldLayoutId id="2147483654" r:id="rId5"/>
+    <p:sldLayoutId id="2147483655" r:id="rId6"/>
+    <p:sldLayoutId id="2147483660" r:id="rId7"/>
+    <p:sldLayoutId id="2147483656" r:id="rId8"/>
+    <p:sldLayoutId id="2147483657" r:id="rId9"/>
+    <p:sldLayoutId id="2147483658" r:id="rId10"/>
+    <p:sldLayoutId id="2147483659" r:id="rId11"/>
+    <p:sldLayoutId id="2147483661" r:id="rId12"/>
   </p:sldLayoutIdLst>
   <p:txStyles>
     <p:titleStyle>
@@ -3182,7 +2987,7 @@
           <p:cNvPr id="8" name="TextBox 7">
             <a:extLst>
               <a:ext uri="{FF2B5EF4-FFF2-40B4-BE49-F238E27FC236}">
-                <a16:creationId xmlns:a16="http://schemas.microsoft.com/office/drawing/2014/main" id="{98AF3C61-7C51-4049-9AB8-7500F6380CA7}"/>
+                <a16:creationId xmlns:a16="http://schemas.microsoft.com/office/drawing/2014/main" xmlns="" id="{98AF3C61-7C51-4049-9AB8-7500F6380CA7}"/>
               </a:ext>
             </a:extLst>
           </p:cNvPr>
